--- a/ChicagoCrimeData.pptx
+++ b/ChicagoCrimeData.pptx
@@ -8,6 +8,9 @@
     <p:sldId id="256" r:id="rId2"/>
     <p:sldId id="257" r:id="rId3"/>
     <p:sldId id="258" r:id="rId4"/>
+    <p:sldId id="259" r:id="rId5"/>
+    <p:sldId id="260" r:id="rId6"/>
+    <p:sldId id="261" r:id="rId7"/>
   </p:sldIdLst>
   <p:sldSz cx="12192000" cy="6858000"/>
   <p:notesSz cx="6858000" cy="9144000"/>
@@ -106,6 +109,11 @@
       </a:defRPr>
     </a:lvl9pPr>
   </p:defaultTextStyle>
+  <p:extLst>
+    <p:ext uri="{EFAFB233-063F-42B5-8137-9DF3F51BA10A}">
+      <p15:sldGuideLst xmlns:p15="http://schemas.microsoft.com/office/powerpoint/2012/main"/>
+    </p:ext>
+  </p:extLst>
 </p:presentation>
 </file>
 
@@ -154,7 +162,6 @@
               <a:rPr lang="en-US"/>
               <a:t>Click to edit Master title style</a:t>
             </a:r>
-            <a:endParaRPr lang="en-US"/>
           </a:p>
         </p:txBody>
       </p:sp>
@@ -219,7 +226,6 @@
               <a:rPr lang="en-US"/>
               <a:t>Click to edit Master subtitle style</a:t>
             </a:r>
-            <a:endParaRPr lang="en-US"/>
           </a:p>
         </p:txBody>
       </p:sp>
@@ -240,7 +246,7 @@
           <a:p>
             <a:fld id="{573AF0FD-6AD9-473B-B476-29BD3298296B}" type="datetimeFigureOut">
               <a:rPr lang="en-US" smtClean="0"/>
-              <a:t>8/13/2017</a:t>
+              <a:t>8/15/2017</a:t>
             </a:fld>
             <a:endParaRPr lang="en-US"/>
           </a:p>
@@ -337,7 +343,6 @@
               <a:rPr lang="en-US"/>
               <a:t>Click to edit Master title style</a:t>
             </a:r>
-            <a:endParaRPr lang="en-US"/>
           </a:p>
         </p:txBody>
       </p:sp>
@@ -389,7 +394,6 @@
               <a:rPr lang="en-US"/>
               <a:t>Fifth level</a:t>
             </a:r>
-            <a:endParaRPr lang="en-US"/>
           </a:p>
         </p:txBody>
       </p:sp>
@@ -410,7 +414,7 @@
           <a:p>
             <a:fld id="{573AF0FD-6AD9-473B-B476-29BD3298296B}" type="datetimeFigureOut">
               <a:rPr lang="en-US" smtClean="0"/>
-              <a:t>8/13/2017</a:t>
+              <a:t>8/15/2017</a:t>
             </a:fld>
             <a:endParaRPr lang="en-US"/>
           </a:p>
@@ -512,7 +516,6 @@
               <a:rPr lang="en-US"/>
               <a:t>Click to edit Master title style</a:t>
             </a:r>
-            <a:endParaRPr lang="en-US"/>
           </a:p>
         </p:txBody>
       </p:sp>
@@ -569,7 +572,6 @@
               <a:rPr lang="en-US"/>
               <a:t>Fifth level</a:t>
             </a:r>
-            <a:endParaRPr lang="en-US"/>
           </a:p>
         </p:txBody>
       </p:sp>
@@ -590,7 +592,7 @@
           <a:p>
             <a:fld id="{573AF0FD-6AD9-473B-B476-29BD3298296B}" type="datetimeFigureOut">
               <a:rPr lang="en-US" smtClean="0"/>
-              <a:t>8/13/2017</a:t>
+              <a:t>8/15/2017</a:t>
             </a:fld>
             <a:endParaRPr lang="en-US"/>
           </a:p>
@@ -687,7 +689,6 @@
               <a:rPr lang="en-US"/>
               <a:t>Click to edit Master title style</a:t>
             </a:r>
-            <a:endParaRPr lang="en-US"/>
           </a:p>
         </p:txBody>
       </p:sp>
@@ -739,7 +740,6 @@
               <a:rPr lang="en-US"/>
               <a:t>Fifth level</a:t>
             </a:r>
-            <a:endParaRPr lang="en-US"/>
           </a:p>
         </p:txBody>
       </p:sp>
@@ -760,7 +760,7 @@
           <a:p>
             <a:fld id="{573AF0FD-6AD9-473B-B476-29BD3298296B}" type="datetimeFigureOut">
               <a:rPr lang="en-US" smtClean="0"/>
-              <a:t>8/13/2017</a:t>
+              <a:t>8/15/2017</a:t>
             </a:fld>
             <a:endParaRPr lang="en-US"/>
           </a:p>
@@ -866,7 +866,6 @@
               <a:rPr lang="en-US"/>
               <a:t>Click to edit Master title style</a:t>
             </a:r>
-            <a:endParaRPr lang="en-US"/>
           </a:p>
         </p:txBody>
       </p:sp>
@@ -1006,7 +1005,7 @@
           <a:p>
             <a:fld id="{573AF0FD-6AD9-473B-B476-29BD3298296B}" type="datetimeFigureOut">
               <a:rPr lang="en-US" smtClean="0"/>
-              <a:t>8/13/2017</a:t>
+              <a:t>8/15/2017</a:t>
             </a:fld>
             <a:endParaRPr lang="en-US"/>
           </a:p>
@@ -1103,7 +1102,6 @@
               <a:rPr lang="en-US"/>
               <a:t>Click to edit Master title style</a:t>
             </a:r>
-            <a:endParaRPr lang="en-US"/>
           </a:p>
         </p:txBody>
       </p:sp>
@@ -1160,7 +1158,6 @@
               <a:rPr lang="en-US"/>
               <a:t>Fifth level</a:t>
             </a:r>
-            <a:endParaRPr lang="en-US"/>
           </a:p>
         </p:txBody>
       </p:sp>
@@ -1217,7 +1214,6 @@
               <a:rPr lang="en-US"/>
               <a:t>Fifth level</a:t>
             </a:r>
-            <a:endParaRPr lang="en-US"/>
           </a:p>
         </p:txBody>
       </p:sp>
@@ -1238,7 +1234,7 @@
           <a:p>
             <a:fld id="{573AF0FD-6AD9-473B-B476-29BD3298296B}" type="datetimeFigureOut">
               <a:rPr lang="en-US" smtClean="0"/>
-              <a:t>8/13/2017</a:t>
+              <a:t>8/15/2017</a:t>
             </a:fld>
             <a:endParaRPr lang="en-US"/>
           </a:p>
@@ -1340,7 +1336,6 @@
               <a:rPr lang="en-US"/>
               <a:t>Click to edit Master title style</a:t>
             </a:r>
-            <a:endParaRPr lang="en-US"/>
           </a:p>
         </p:txBody>
       </p:sp>
@@ -1462,7 +1457,6 @@
               <a:rPr lang="en-US"/>
               <a:t>Fifth level</a:t>
             </a:r>
-            <a:endParaRPr lang="en-US"/>
           </a:p>
         </p:txBody>
       </p:sp>
@@ -1584,7 +1578,6 @@
               <a:rPr lang="en-US"/>
               <a:t>Fifth level</a:t>
             </a:r>
-            <a:endParaRPr lang="en-US"/>
           </a:p>
         </p:txBody>
       </p:sp>
@@ -1605,7 +1598,7 @@
           <a:p>
             <a:fld id="{573AF0FD-6AD9-473B-B476-29BD3298296B}" type="datetimeFigureOut">
               <a:rPr lang="en-US" smtClean="0"/>
-              <a:t>8/13/2017</a:t>
+              <a:t>8/15/2017</a:t>
             </a:fld>
             <a:endParaRPr lang="en-US"/>
           </a:p>
@@ -1702,7 +1695,6 @@
               <a:rPr lang="en-US"/>
               <a:t>Click to edit Master title style</a:t>
             </a:r>
-            <a:endParaRPr lang="en-US"/>
           </a:p>
         </p:txBody>
       </p:sp>
@@ -1723,7 +1715,7 @@
           <a:p>
             <a:fld id="{573AF0FD-6AD9-473B-B476-29BD3298296B}" type="datetimeFigureOut">
               <a:rPr lang="en-US" smtClean="0"/>
-              <a:t>8/13/2017</a:t>
+              <a:t>8/15/2017</a:t>
             </a:fld>
             <a:endParaRPr lang="en-US"/>
           </a:p>
@@ -1818,7 +1810,7 @@
           <a:p>
             <a:fld id="{573AF0FD-6AD9-473B-B476-29BD3298296B}" type="datetimeFigureOut">
               <a:rPr lang="en-US" smtClean="0"/>
-              <a:t>8/13/2017</a:t>
+              <a:t>8/15/2017</a:t>
             </a:fld>
             <a:endParaRPr lang="en-US"/>
           </a:p>
@@ -1924,7 +1916,6 @@
               <a:rPr lang="en-US"/>
               <a:t>Click to edit Master title style</a:t>
             </a:r>
-            <a:endParaRPr lang="en-US"/>
           </a:p>
         </p:txBody>
       </p:sp>
@@ -2009,7 +2000,6 @@
               <a:rPr lang="en-US"/>
               <a:t>Fifth level</a:t>
             </a:r>
-            <a:endParaRPr lang="en-US"/>
           </a:p>
         </p:txBody>
       </p:sp>
@@ -2095,7 +2085,7 @@
           <a:p>
             <a:fld id="{573AF0FD-6AD9-473B-B476-29BD3298296B}" type="datetimeFigureOut">
               <a:rPr lang="en-US" smtClean="0"/>
-              <a:t>8/13/2017</a:t>
+              <a:t>8/15/2017</a:t>
             </a:fld>
             <a:endParaRPr lang="en-US"/>
           </a:p>
@@ -2201,7 +2191,6 @@
               <a:rPr lang="en-US"/>
               <a:t>Click to edit Master title style</a:t>
             </a:r>
-            <a:endParaRPr lang="en-US"/>
           </a:p>
         </p:txBody>
       </p:sp>
@@ -2348,7 +2337,7 @@
           <a:p>
             <a:fld id="{573AF0FD-6AD9-473B-B476-29BD3298296B}" type="datetimeFigureOut">
               <a:rPr lang="en-US" smtClean="0"/>
-              <a:t>8/13/2017</a:t>
+              <a:t>8/15/2017</a:t>
             </a:fld>
             <a:endParaRPr lang="en-US"/>
           </a:p>
@@ -2460,7 +2449,6 @@
               <a:rPr lang="en-US"/>
               <a:t>Click to edit Master title style</a:t>
             </a:r>
-            <a:endParaRPr lang="en-US"/>
           </a:p>
         </p:txBody>
       </p:sp>
@@ -2522,7 +2510,6 @@
               <a:rPr lang="en-US"/>
               <a:t>Fifth level</a:t>
             </a:r>
-            <a:endParaRPr lang="en-US"/>
           </a:p>
         </p:txBody>
       </p:sp>
@@ -2561,7 +2548,7 @@
           <a:p>
             <a:fld id="{573AF0FD-6AD9-473B-B476-29BD3298296B}" type="datetimeFigureOut">
               <a:rPr lang="en-US" smtClean="0"/>
-              <a:t>8/13/2017</a:t>
+              <a:t>8/15/2017</a:t>
             </a:fld>
             <a:endParaRPr lang="en-US"/>
           </a:p>
@@ -2982,8 +2969,32 @@
         </p:blipFill>
         <p:spPr>
           <a:xfrm>
-            <a:off x="3290887" y="100012"/>
+            <a:off x="102414" y="0"/>
             <a:ext cx="5610225" cy="6657975"/>
+          </a:xfrm>
+          <a:prstGeom prst="rect">
+            <a:avLst/>
+          </a:prstGeom>
+        </p:spPr>
+      </p:pic>
+      <p:pic>
+        <p:nvPicPr>
+          <p:cNvPr id="2" name="Picture 1"/>
+          <p:cNvPicPr>
+            <a:picLocks noChangeAspect="1"/>
+          </p:cNvPicPr>
+          <p:nvPr/>
+        </p:nvPicPr>
+        <p:blipFill>
+          <a:blip r:embed="rId3"/>
+          <a:stretch>
+            <a:fillRect/>
+          </a:stretch>
+        </p:blipFill>
+        <p:spPr>
+          <a:xfrm>
+            <a:off x="5430202" y="-1"/>
+            <a:ext cx="5762266" cy="6757987"/>
           </a:xfrm>
           <a:prstGeom prst="rect">
             <a:avLst/>
@@ -3098,48 +3109,412 @@
           <a:chExt cx="0" cy="0"/>
         </a:xfrm>
       </p:grpSpPr>
-      <p:sp>
-        <p:nvSpPr>
-          <p:cNvPr id="2" name="Title 1"/>
-          <p:cNvSpPr>
-            <a:spLocks noGrp="1"/>
-          </p:cNvSpPr>
-          <p:nvPr>
-            <p:ph type="title"/>
-          </p:nvPr>
-        </p:nvSpPr>
-        <p:spPr/>
-        <p:txBody>
-          <a:bodyPr/>
-          <a:lstStyle/>
-          <a:p>
-            <a:endParaRPr lang="en-US"/>
-          </a:p>
-        </p:txBody>
-      </p:sp>
-      <p:sp>
-        <p:nvSpPr>
-          <p:cNvPr id="3" name="Content Placeholder 2"/>
-          <p:cNvSpPr>
-            <a:spLocks noGrp="1"/>
-          </p:cNvSpPr>
-          <p:nvPr>
-            <p:ph idx="1"/>
-          </p:nvPr>
-        </p:nvSpPr>
-        <p:spPr/>
-        <p:txBody>
-          <a:bodyPr/>
-          <a:lstStyle/>
-          <a:p>
-            <a:endParaRPr lang="en-US"/>
-          </a:p>
-        </p:txBody>
-      </p:sp>
+      <p:pic>
+        <p:nvPicPr>
+          <p:cNvPr id="4" name="Picture 3"/>
+          <p:cNvPicPr>
+            <a:picLocks noChangeAspect="1"/>
+          </p:cNvPicPr>
+          <p:nvPr/>
+        </p:nvPicPr>
+        <p:blipFill>
+          <a:blip r:embed="rId2"/>
+          <a:stretch>
+            <a:fillRect/>
+          </a:stretch>
+        </p:blipFill>
+        <p:spPr>
+          <a:xfrm>
+            <a:off x="3228975" y="519112"/>
+            <a:ext cx="5962650" cy="6010275"/>
+          </a:xfrm>
+          <a:prstGeom prst="rect">
+            <a:avLst/>
+          </a:prstGeom>
+        </p:spPr>
+      </p:pic>
     </p:spTree>
     <p:extLst>
       <p:ext uri="{BB962C8B-B14F-4D97-AF65-F5344CB8AC3E}">
         <p14:creationId xmlns:p14="http://schemas.microsoft.com/office/powerpoint/2010/main" val="386583112"/>
+      </p:ext>
+    </p:extLst>
+  </p:cSld>
+  <p:clrMapOvr>
+    <a:masterClrMapping/>
+  </p:clrMapOvr>
+</p:sld>
+</file>
+
+<file path=ppt/slides/slide4.xml><?xml version="1.0" encoding="utf-8"?>
+<p:sld xmlns:a="http://schemas.openxmlformats.org/drawingml/2006/main" xmlns:r="http://schemas.openxmlformats.org/officeDocument/2006/relationships" xmlns:p="http://schemas.openxmlformats.org/presentationml/2006/main">
+  <p:cSld>
+    <p:spTree>
+      <p:nvGrpSpPr>
+        <p:cNvPr id="1" name=""/>
+        <p:cNvGrpSpPr/>
+        <p:nvPr/>
+      </p:nvGrpSpPr>
+      <p:grpSpPr>
+        <a:xfrm>
+          <a:off x="0" y="0"/>
+          <a:ext cx="0" cy="0"/>
+          <a:chOff x="0" y="0"/>
+          <a:chExt cx="0" cy="0"/>
+        </a:xfrm>
+      </p:grpSpPr>
+      <p:pic>
+        <p:nvPicPr>
+          <p:cNvPr id="2" name="Picture 1"/>
+          <p:cNvPicPr>
+            <a:picLocks noChangeAspect="1"/>
+          </p:cNvPicPr>
+          <p:nvPr/>
+        </p:nvPicPr>
+        <p:blipFill>
+          <a:blip r:embed="rId2"/>
+          <a:stretch>
+            <a:fillRect/>
+          </a:stretch>
+        </p:blipFill>
+        <p:spPr>
+          <a:xfrm>
+            <a:off x="90586" y="0"/>
+            <a:ext cx="3121269" cy="6858000"/>
+          </a:xfrm>
+          <a:prstGeom prst="rect">
+            <a:avLst/>
+          </a:prstGeom>
+        </p:spPr>
+      </p:pic>
+      <p:pic>
+        <p:nvPicPr>
+          <p:cNvPr id="3" name="Picture 2"/>
+          <p:cNvPicPr>
+            <a:picLocks noChangeAspect="1"/>
+          </p:cNvPicPr>
+          <p:nvPr/>
+        </p:nvPicPr>
+        <p:blipFill>
+          <a:blip r:embed="rId3"/>
+          <a:stretch>
+            <a:fillRect/>
+          </a:stretch>
+        </p:blipFill>
+        <p:spPr>
+          <a:xfrm>
+            <a:off x="2668040" y="0"/>
+            <a:ext cx="2720743" cy="6858000"/>
+          </a:xfrm>
+          <a:prstGeom prst="rect">
+            <a:avLst/>
+          </a:prstGeom>
+        </p:spPr>
+      </p:pic>
+      <p:pic>
+        <p:nvPicPr>
+          <p:cNvPr id="4" name="Picture 3"/>
+          <p:cNvPicPr>
+            <a:picLocks noChangeAspect="1"/>
+          </p:cNvPicPr>
+          <p:nvPr/>
+        </p:nvPicPr>
+        <p:blipFill>
+          <a:blip r:embed="rId4"/>
+          <a:stretch>
+            <a:fillRect/>
+          </a:stretch>
+        </p:blipFill>
+        <p:spPr>
+          <a:xfrm>
+            <a:off x="5101164" y="0"/>
+            <a:ext cx="2624776" cy="6858000"/>
+          </a:xfrm>
+          <a:prstGeom prst="rect">
+            <a:avLst/>
+          </a:prstGeom>
+        </p:spPr>
+      </p:pic>
+      <p:pic>
+        <p:nvPicPr>
+          <p:cNvPr id="5" name="Picture 4"/>
+          <p:cNvPicPr>
+            <a:picLocks noChangeAspect="1"/>
+          </p:cNvPicPr>
+          <p:nvPr/>
+        </p:nvPicPr>
+        <p:blipFill>
+          <a:blip r:embed="rId5"/>
+          <a:stretch>
+            <a:fillRect/>
+          </a:stretch>
+        </p:blipFill>
+        <p:spPr>
+          <a:xfrm>
+            <a:off x="7488082" y="0"/>
+            <a:ext cx="2559614" cy="6858000"/>
+          </a:xfrm>
+          <a:prstGeom prst="rect">
+            <a:avLst/>
+          </a:prstGeom>
+        </p:spPr>
+      </p:pic>
+      <p:pic>
+        <p:nvPicPr>
+          <p:cNvPr id="6" name="Picture 5"/>
+          <p:cNvPicPr>
+            <a:picLocks noChangeAspect="1"/>
+          </p:cNvPicPr>
+          <p:nvPr/>
+        </p:nvPicPr>
+        <p:blipFill>
+          <a:blip r:embed="rId6"/>
+          <a:stretch>
+            <a:fillRect/>
+          </a:stretch>
+        </p:blipFill>
+        <p:spPr>
+          <a:xfrm>
+            <a:off x="9825239" y="0"/>
+            <a:ext cx="2725838" cy="6858000"/>
+          </a:xfrm>
+          <a:prstGeom prst="rect">
+            <a:avLst/>
+          </a:prstGeom>
+        </p:spPr>
+      </p:pic>
+    </p:spTree>
+    <p:extLst>
+      <p:ext uri="{BB962C8B-B14F-4D97-AF65-F5344CB8AC3E}">
+        <p14:creationId xmlns:p14="http://schemas.microsoft.com/office/powerpoint/2010/main" val="2258309652"/>
+      </p:ext>
+    </p:extLst>
+  </p:cSld>
+  <p:clrMapOvr>
+    <a:masterClrMapping/>
+  </p:clrMapOvr>
+</p:sld>
+</file>
+
+<file path=ppt/slides/slide5.xml><?xml version="1.0" encoding="utf-8"?>
+<p:sld xmlns:a="http://schemas.openxmlformats.org/drawingml/2006/main" xmlns:r="http://schemas.openxmlformats.org/officeDocument/2006/relationships" xmlns:p="http://schemas.openxmlformats.org/presentationml/2006/main">
+  <p:cSld>
+    <p:spTree>
+      <p:nvGrpSpPr>
+        <p:cNvPr id="1" name=""/>
+        <p:cNvGrpSpPr/>
+        <p:nvPr/>
+      </p:nvGrpSpPr>
+      <p:grpSpPr>
+        <a:xfrm>
+          <a:off x="0" y="0"/>
+          <a:ext cx="0" cy="0"/>
+          <a:chOff x="0" y="0"/>
+          <a:chExt cx="0" cy="0"/>
+        </a:xfrm>
+      </p:grpSpPr>
+      <p:pic>
+        <p:nvPicPr>
+          <p:cNvPr id="4" name="Picture 3"/>
+          <p:cNvPicPr>
+            <a:picLocks noChangeAspect="1"/>
+          </p:cNvPicPr>
+          <p:nvPr/>
+        </p:nvPicPr>
+        <p:blipFill>
+          <a:blip r:embed="rId2"/>
+          <a:stretch>
+            <a:fillRect/>
+          </a:stretch>
+        </p:blipFill>
+        <p:spPr>
+          <a:xfrm>
+            <a:off x="0" y="0"/>
+            <a:ext cx="2762744" cy="6858000"/>
+          </a:xfrm>
+          <a:prstGeom prst="rect">
+            <a:avLst/>
+          </a:prstGeom>
+        </p:spPr>
+      </p:pic>
+      <p:pic>
+        <p:nvPicPr>
+          <p:cNvPr id="5" name="Picture 4"/>
+          <p:cNvPicPr>
+            <a:picLocks noChangeAspect="1"/>
+          </p:cNvPicPr>
+          <p:nvPr/>
+        </p:nvPicPr>
+        <p:blipFill>
+          <a:blip r:embed="rId3"/>
+          <a:stretch>
+            <a:fillRect/>
+          </a:stretch>
+        </p:blipFill>
+        <p:spPr>
+          <a:xfrm>
+            <a:off x="2405248" y="0"/>
+            <a:ext cx="2769747" cy="6858000"/>
+          </a:xfrm>
+          <a:prstGeom prst="rect">
+            <a:avLst/>
+          </a:prstGeom>
+        </p:spPr>
+      </p:pic>
+      <p:pic>
+        <p:nvPicPr>
+          <p:cNvPr id="6" name="Picture 5"/>
+          <p:cNvPicPr>
+            <a:picLocks noChangeAspect="1"/>
+          </p:cNvPicPr>
+          <p:nvPr/>
+        </p:nvPicPr>
+        <p:blipFill>
+          <a:blip r:embed="rId4"/>
+          <a:stretch>
+            <a:fillRect/>
+          </a:stretch>
+        </p:blipFill>
+        <p:spPr>
+          <a:xfrm>
+            <a:off x="4806027" y="0"/>
+            <a:ext cx="2774216" cy="6858000"/>
+          </a:xfrm>
+          <a:prstGeom prst="rect">
+            <a:avLst/>
+          </a:prstGeom>
+        </p:spPr>
+      </p:pic>
+      <p:pic>
+        <p:nvPicPr>
+          <p:cNvPr id="7" name="Picture 6"/>
+          <p:cNvPicPr>
+            <a:picLocks noChangeAspect="1"/>
+          </p:cNvPicPr>
+          <p:nvPr/>
+        </p:nvPicPr>
+        <p:blipFill>
+          <a:blip r:embed="rId5"/>
+          <a:stretch>
+            <a:fillRect/>
+          </a:stretch>
+        </p:blipFill>
+        <p:spPr>
+          <a:xfrm>
+            <a:off x="7218278" y="0"/>
+            <a:ext cx="2650477" cy="6858000"/>
+          </a:xfrm>
+          <a:prstGeom prst="rect">
+            <a:avLst/>
+          </a:prstGeom>
+        </p:spPr>
+      </p:pic>
+      <p:pic>
+        <p:nvPicPr>
+          <p:cNvPr id="8" name="Picture 7"/>
+          <p:cNvPicPr>
+            <a:picLocks noChangeAspect="1"/>
+          </p:cNvPicPr>
+          <p:nvPr/>
+        </p:nvPicPr>
+        <p:blipFill>
+          <a:blip r:embed="rId6"/>
+          <a:stretch>
+            <a:fillRect/>
+          </a:stretch>
+        </p:blipFill>
+        <p:spPr>
+          <a:xfrm>
+            <a:off x="9623527" y="0"/>
+            <a:ext cx="2568474" cy="6858000"/>
+          </a:xfrm>
+          <a:prstGeom prst="rect">
+            <a:avLst/>
+          </a:prstGeom>
+        </p:spPr>
+      </p:pic>
+    </p:spTree>
+    <p:extLst>
+      <p:ext uri="{BB962C8B-B14F-4D97-AF65-F5344CB8AC3E}">
+        <p14:creationId xmlns:p14="http://schemas.microsoft.com/office/powerpoint/2010/main" val="3131933257"/>
+      </p:ext>
+    </p:extLst>
+  </p:cSld>
+  <p:clrMapOvr>
+    <a:masterClrMapping/>
+  </p:clrMapOvr>
+</p:sld>
+</file>
+
+<file path=ppt/slides/slide6.xml><?xml version="1.0" encoding="utf-8"?>
+<p:sld xmlns:a="http://schemas.openxmlformats.org/drawingml/2006/main" xmlns:r="http://schemas.openxmlformats.org/officeDocument/2006/relationships" xmlns:p="http://schemas.openxmlformats.org/presentationml/2006/main">
+  <p:cSld>
+    <p:spTree>
+      <p:nvGrpSpPr>
+        <p:cNvPr id="1" name=""/>
+        <p:cNvGrpSpPr/>
+        <p:nvPr/>
+      </p:nvGrpSpPr>
+      <p:grpSpPr>
+        <a:xfrm>
+          <a:off x="0" y="0"/>
+          <a:ext cx="0" cy="0"/>
+          <a:chOff x="0" y="0"/>
+          <a:chExt cx="0" cy="0"/>
+        </a:xfrm>
+      </p:grpSpPr>
+      <p:pic>
+        <p:nvPicPr>
+          <p:cNvPr id="4" name="Picture 3"/>
+          <p:cNvPicPr>
+            <a:picLocks noChangeAspect="1"/>
+          </p:cNvPicPr>
+          <p:nvPr/>
+        </p:nvPicPr>
+        <p:blipFill>
+          <a:blip r:embed="rId2"/>
+          <a:stretch>
+            <a:fillRect/>
+          </a:stretch>
+        </p:blipFill>
+        <p:spPr>
+          <a:xfrm>
+            <a:off x="2027582" y="0"/>
+            <a:ext cx="2915520" cy="6858000"/>
+          </a:xfrm>
+          <a:prstGeom prst="rect">
+            <a:avLst/>
+          </a:prstGeom>
+        </p:spPr>
+      </p:pic>
+      <p:pic>
+        <p:nvPicPr>
+          <p:cNvPr id="5" name="Picture 4"/>
+          <p:cNvPicPr>
+            <a:picLocks noChangeAspect="1"/>
+          </p:cNvPicPr>
+          <p:nvPr/>
+        </p:nvPicPr>
+        <p:blipFill>
+          <a:blip r:embed="rId3"/>
+          <a:stretch>
+            <a:fillRect/>
+          </a:stretch>
+        </p:blipFill>
+        <p:spPr>
+          <a:xfrm>
+            <a:off x="4943102" y="0"/>
+            <a:ext cx="2931613" cy="2361330"/>
+          </a:xfrm>
+          <a:prstGeom prst="rect">
+            <a:avLst/>
+          </a:prstGeom>
+        </p:spPr>
+      </p:pic>
+    </p:spTree>
+    <p:extLst>
+      <p:ext uri="{BB962C8B-B14F-4D97-AF65-F5344CB8AC3E}">
+        <p14:creationId xmlns:p14="http://schemas.microsoft.com/office/powerpoint/2010/main" val="1141458562"/>
       </p:ext>
     </p:extLst>
   </p:cSld>

--- a/ChicagoCrimeData.pptx
+++ b/ChicagoCrimeData.pptx
@@ -11,6 +11,11 @@
     <p:sldId id="259" r:id="rId5"/>
     <p:sldId id="260" r:id="rId6"/>
     <p:sldId id="261" r:id="rId7"/>
+    <p:sldId id="262" r:id="rId8"/>
+    <p:sldId id="263" r:id="rId9"/>
+    <p:sldId id="264" r:id="rId10"/>
+    <p:sldId id="265" r:id="rId11"/>
+    <p:sldId id="266" r:id="rId12"/>
   </p:sldIdLst>
   <p:sldSz cx="12192000" cy="6858000"/>
   <p:notesSz cx="6858000" cy="9144000"/>
@@ -246,7 +251,7 @@
           <a:p>
             <a:fld id="{573AF0FD-6AD9-473B-B476-29BD3298296B}" type="datetimeFigureOut">
               <a:rPr lang="en-US" smtClean="0"/>
-              <a:t>8/15/2017</a:t>
+              <a:t>8/16/2017</a:t>
             </a:fld>
             <a:endParaRPr lang="en-US"/>
           </a:p>
@@ -414,7 +419,7 @@
           <a:p>
             <a:fld id="{573AF0FD-6AD9-473B-B476-29BD3298296B}" type="datetimeFigureOut">
               <a:rPr lang="en-US" smtClean="0"/>
-              <a:t>8/15/2017</a:t>
+              <a:t>8/16/2017</a:t>
             </a:fld>
             <a:endParaRPr lang="en-US"/>
           </a:p>
@@ -592,7 +597,7 @@
           <a:p>
             <a:fld id="{573AF0FD-6AD9-473B-B476-29BD3298296B}" type="datetimeFigureOut">
               <a:rPr lang="en-US" smtClean="0"/>
-              <a:t>8/15/2017</a:t>
+              <a:t>8/16/2017</a:t>
             </a:fld>
             <a:endParaRPr lang="en-US"/>
           </a:p>
@@ -760,7 +765,7 @@
           <a:p>
             <a:fld id="{573AF0FD-6AD9-473B-B476-29BD3298296B}" type="datetimeFigureOut">
               <a:rPr lang="en-US" smtClean="0"/>
-              <a:t>8/15/2017</a:t>
+              <a:t>8/16/2017</a:t>
             </a:fld>
             <a:endParaRPr lang="en-US"/>
           </a:p>
@@ -1005,7 +1010,7 @@
           <a:p>
             <a:fld id="{573AF0FD-6AD9-473B-B476-29BD3298296B}" type="datetimeFigureOut">
               <a:rPr lang="en-US" smtClean="0"/>
-              <a:t>8/15/2017</a:t>
+              <a:t>8/16/2017</a:t>
             </a:fld>
             <a:endParaRPr lang="en-US"/>
           </a:p>
@@ -1234,7 +1239,7 @@
           <a:p>
             <a:fld id="{573AF0FD-6AD9-473B-B476-29BD3298296B}" type="datetimeFigureOut">
               <a:rPr lang="en-US" smtClean="0"/>
-              <a:t>8/15/2017</a:t>
+              <a:t>8/16/2017</a:t>
             </a:fld>
             <a:endParaRPr lang="en-US"/>
           </a:p>
@@ -1598,7 +1603,7 @@
           <a:p>
             <a:fld id="{573AF0FD-6AD9-473B-B476-29BD3298296B}" type="datetimeFigureOut">
               <a:rPr lang="en-US" smtClean="0"/>
-              <a:t>8/15/2017</a:t>
+              <a:t>8/16/2017</a:t>
             </a:fld>
             <a:endParaRPr lang="en-US"/>
           </a:p>
@@ -1715,7 +1720,7 @@
           <a:p>
             <a:fld id="{573AF0FD-6AD9-473B-B476-29BD3298296B}" type="datetimeFigureOut">
               <a:rPr lang="en-US" smtClean="0"/>
-              <a:t>8/15/2017</a:t>
+              <a:t>8/16/2017</a:t>
             </a:fld>
             <a:endParaRPr lang="en-US"/>
           </a:p>
@@ -1810,7 +1815,7 @@
           <a:p>
             <a:fld id="{573AF0FD-6AD9-473B-B476-29BD3298296B}" type="datetimeFigureOut">
               <a:rPr lang="en-US" smtClean="0"/>
-              <a:t>8/15/2017</a:t>
+              <a:t>8/16/2017</a:t>
             </a:fld>
             <a:endParaRPr lang="en-US"/>
           </a:p>
@@ -2085,7 +2090,7 @@
           <a:p>
             <a:fld id="{573AF0FD-6AD9-473B-B476-29BD3298296B}" type="datetimeFigureOut">
               <a:rPr lang="en-US" smtClean="0"/>
-              <a:t>8/15/2017</a:t>
+              <a:t>8/16/2017</a:t>
             </a:fld>
             <a:endParaRPr lang="en-US"/>
           </a:p>
@@ -2337,7 +2342,7 @@
           <a:p>
             <a:fld id="{573AF0FD-6AD9-473B-B476-29BD3298296B}" type="datetimeFigureOut">
               <a:rPr lang="en-US" smtClean="0"/>
-              <a:t>8/15/2017</a:t>
+              <a:t>8/16/2017</a:t>
             </a:fld>
             <a:endParaRPr lang="en-US"/>
           </a:p>
@@ -2548,7 +2553,7 @@
           <a:p>
             <a:fld id="{573AF0FD-6AD9-473B-B476-29BD3298296B}" type="datetimeFigureOut">
               <a:rPr lang="en-US" smtClean="0"/>
-              <a:t>8/15/2017</a:t>
+              <a:t>8/16/2017</a:t>
             </a:fld>
             <a:endParaRPr lang="en-US"/>
           </a:p>
@@ -3014,6 +3019,138 @@
 </p:sld>
 </file>
 
+<file path=ppt/slides/slide10.xml><?xml version="1.0" encoding="utf-8"?>
+<p:sld xmlns:a="http://schemas.openxmlformats.org/drawingml/2006/main" xmlns:r="http://schemas.openxmlformats.org/officeDocument/2006/relationships" xmlns:p="http://schemas.openxmlformats.org/presentationml/2006/main">
+  <p:cSld>
+    <p:spTree>
+      <p:nvGrpSpPr>
+        <p:cNvPr id="1" name=""/>
+        <p:cNvGrpSpPr/>
+        <p:nvPr/>
+      </p:nvGrpSpPr>
+      <p:grpSpPr>
+        <a:xfrm>
+          <a:off x="0" y="0"/>
+          <a:ext cx="0" cy="0"/>
+          <a:chOff x="0" y="0"/>
+          <a:chExt cx="0" cy="0"/>
+        </a:xfrm>
+      </p:grpSpPr>
+      <p:pic>
+        <p:nvPicPr>
+          <p:cNvPr id="4" name="Picture 3"/>
+          <p:cNvPicPr>
+            <a:picLocks noChangeAspect="1"/>
+          </p:cNvPicPr>
+          <p:nvPr/>
+        </p:nvPicPr>
+        <p:blipFill>
+          <a:blip r:embed="rId2"/>
+          <a:stretch>
+            <a:fillRect/>
+          </a:stretch>
+        </p:blipFill>
+        <p:spPr>
+          <a:xfrm>
+            <a:off x="0" y="0"/>
+            <a:ext cx="12192000" cy="4293704"/>
+          </a:xfrm>
+          <a:prstGeom prst="rect">
+            <a:avLst/>
+          </a:prstGeom>
+        </p:spPr>
+      </p:pic>
+    </p:spTree>
+    <p:extLst>
+      <p:ext uri="{BB962C8B-B14F-4D97-AF65-F5344CB8AC3E}">
+        <p14:creationId xmlns:p14="http://schemas.microsoft.com/office/powerpoint/2010/main" val="1197414355"/>
+      </p:ext>
+    </p:extLst>
+  </p:cSld>
+  <p:clrMapOvr>
+    <a:masterClrMapping/>
+  </p:clrMapOvr>
+</p:sld>
+</file>
+
+<file path=ppt/slides/slide11.xml><?xml version="1.0" encoding="utf-8"?>
+<p:sld xmlns:a="http://schemas.openxmlformats.org/drawingml/2006/main" xmlns:r="http://schemas.openxmlformats.org/officeDocument/2006/relationships" xmlns:p="http://schemas.openxmlformats.org/presentationml/2006/main">
+  <p:cSld>
+    <p:spTree>
+      <p:nvGrpSpPr>
+        <p:cNvPr id="1" name=""/>
+        <p:cNvGrpSpPr/>
+        <p:nvPr/>
+      </p:nvGrpSpPr>
+      <p:grpSpPr>
+        <a:xfrm>
+          <a:off x="0" y="0"/>
+          <a:ext cx="0" cy="0"/>
+          <a:chOff x="0" y="0"/>
+          <a:chExt cx="0" cy="0"/>
+        </a:xfrm>
+      </p:grpSpPr>
+      <p:pic>
+        <p:nvPicPr>
+          <p:cNvPr id="4" name="Picture 3"/>
+          <p:cNvPicPr>
+            <a:picLocks noChangeAspect="1"/>
+          </p:cNvPicPr>
+          <p:nvPr/>
+        </p:nvPicPr>
+        <p:blipFill>
+          <a:blip r:embed="rId2"/>
+          <a:stretch>
+            <a:fillRect/>
+          </a:stretch>
+        </p:blipFill>
+        <p:spPr>
+          <a:xfrm>
+            <a:off x="0" y="1"/>
+            <a:ext cx="12192000" cy="4412974"/>
+          </a:xfrm>
+          <a:prstGeom prst="rect">
+            <a:avLst/>
+          </a:prstGeom>
+        </p:spPr>
+      </p:pic>
+      <p:pic>
+        <p:nvPicPr>
+          <p:cNvPr id="5" name="Picture 4"/>
+          <p:cNvPicPr>
+            <a:picLocks noChangeAspect="1"/>
+          </p:cNvPicPr>
+          <p:nvPr/>
+        </p:nvPicPr>
+        <p:blipFill>
+          <a:blip r:embed="rId3"/>
+          <a:stretch>
+            <a:fillRect/>
+          </a:stretch>
+        </p:blipFill>
+        <p:spPr>
+          <a:xfrm>
+            <a:off x="0" y="4299490"/>
+            <a:ext cx="12192000" cy="2558510"/>
+          </a:xfrm>
+          <a:prstGeom prst="rect">
+            <a:avLst/>
+          </a:prstGeom>
+        </p:spPr>
+      </p:pic>
+    </p:spTree>
+    <p:extLst>
+      <p:ext uri="{BB962C8B-B14F-4D97-AF65-F5344CB8AC3E}">
+        <p14:creationId xmlns:p14="http://schemas.microsoft.com/office/powerpoint/2010/main" val="208204215"/>
+      </p:ext>
+    </p:extLst>
+  </p:cSld>
+  <p:clrMapOvr>
+    <a:masterClrMapping/>
+  </p:clrMapOvr>
+</p:sld>
+</file>
+
 <file path=ppt/slides/slide2.xml><?xml version="1.0" encoding="utf-8"?>
 <p:sld xmlns:a="http://schemas.openxmlformats.org/drawingml/2006/main" xmlns:r="http://schemas.openxmlformats.org/officeDocument/2006/relationships" xmlns:p="http://schemas.openxmlformats.org/presentationml/2006/main">
   <p:cSld>
@@ -3515,6 +3652,288 @@
     <p:extLst>
       <p:ext uri="{BB962C8B-B14F-4D97-AF65-F5344CB8AC3E}">
         <p14:creationId xmlns:p14="http://schemas.microsoft.com/office/powerpoint/2010/main" val="1141458562"/>
+      </p:ext>
+    </p:extLst>
+  </p:cSld>
+  <p:clrMapOvr>
+    <a:masterClrMapping/>
+  </p:clrMapOvr>
+</p:sld>
+</file>
+
+<file path=ppt/slides/slide7.xml><?xml version="1.0" encoding="utf-8"?>
+<p:sld xmlns:a="http://schemas.openxmlformats.org/drawingml/2006/main" xmlns:r="http://schemas.openxmlformats.org/officeDocument/2006/relationships" xmlns:p="http://schemas.openxmlformats.org/presentationml/2006/main">
+  <p:cSld>
+    <p:spTree>
+      <p:nvGrpSpPr>
+        <p:cNvPr id="1" name=""/>
+        <p:cNvGrpSpPr/>
+        <p:nvPr/>
+      </p:nvGrpSpPr>
+      <p:grpSpPr>
+        <a:xfrm>
+          <a:off x="0" y="0"/>
+          <a:ext cx="0" cy="0"/>
+          <a:chOff x="0" y="0"/>
+          <a:chExt cx="0" cy="0"/>
+        </a:xfrm>
+      </p:grpSpPr>
+      <p:pic>
+        <p:nvPicPr>
+          <p:cNvPr id="4" name="Picture 3"/>
+          <p:cNvPicPr>
+            <a:picLocks noChangeAspect="1"/>
+          </p:cNvPicPr>
+          <p:nvPr/>
+        </p:nvPicPr>
+        <p:blipFill>
+          <a:blip r:embed="rId2"/>
+          <a:stretch>
+            <a:fillRect/>
+          </a:stretch>
+        </p:blipFill>
+        <p:spPr>
+          <a:xfrm>
+            <a:off x="0" y="0"/>
+            <a:ext cx="12192000" cy="2454548"/>
+          </a:xfrm>
+          <a:prstGeom prst="rect">
+            <a:avLst/>
+          </a:prstGeom>
+        </p:spPr>
+      </p:pic>
+      <p:pic>
+        <p:nvPicPr>
+          <p:cNvPr id="5" name="Picture 4"/>
+          <p:cNvPicPr>
+            <a:picLocks noChangeAspect="1"/>
+          </p:cNvPicPr>
+          <p:nvPr/>
+        </p:nvPicPr>
+        <p:blipFill>
+          <a:blip r:embed="rId3"/>
+          <a:stretch>
+            <a:fillRect/>
+          </a:stretch>
+        </p:blipFill>
+        <p:spPr>
+          <a:xfrm>
+            <a:off x="0" y="2356089"/>
+            <a:ext cx="12192000" cy="2326457"/>
+          </a:xfrm>
+          <a:prstGeom prst="rect">
+            <a:avLst/>
+          </a:prstGeom>
+        </p:spPr>
+      </p:pic>
+      <p:pic>
+        <p:nvPicPr>
+          <p:cNvPr id="6" name="Picture 5"/>
+          <p:cNvPicPr>
+            <a:picLocks noChangeAspect="1"/>
+          </p:cNvPicPr>
+          <p:nvPr/>
+        </p:nvPicPr>
+        <p:blipFill>
+          <a:blip r:embed="rId4"/>
+          <a:stretch>
+            <a:fillRect/>
+          </a:stretch>
+        </p:blipFill>
+        <p:spPr>
+          <a:xfrm>
+            <a:off x="0" y="4682546"/>
+            <a:ext cx="12192000" cy="2175454"/>
+          </a:xfrm>
+          <a:prstGeom prst="rect">
+            <a:avLst/>
+          </a:prstGeom>
+        </p:spPr>
+      </p:pic>
+    </p:spTree>
+    <p:extLst>
+      <p:ext uri="{BB962C8B-B14F-4D97-AF65-F5344CB8AC3E}">
+        <p14:creationId xmlns:p14="http://schemas.microsoft.com/office/powerpoint/2010/main" val="282813117"/>
+      </p:ext>
+    </p:extLst>
+  </p:cSld>
+  <p:clrMapOvr>
+    <a:masterClrMapping/>
+  </p:clrMapOvr>
+</p:sld>
+</file>
+
+<file path=ppt/slides/slide8.xml><?xml version="1.0" encoding="utf-8"?>
+<p:sld xmlns:a="http://schemas.openxmlformats.org/drawingml/2006/main" xmlns:r="http://schemas.openxmlformats.org/officeDocument/2006/relationships" xmlns:p="http://schemas.openxmlformats.org/presentationml/2006/main">
+  <p:cSld>
+    <p:spTree>
+      <p:nvGrpSpPr>
+        <p:cNvPr id="1" name=""/>
+        <p:cNvGrpSpPr/>
+        <p:nvPr/>
+      </p:nvGrpSpPr>
+      <p:grpSpPr>
+        <a:xfrm>
+          <a:off x="0" y="0"/>
+          <a:ext cx="0" cy="0"/>
+          <a:chOff x="0" y="0"/>
+          <a:chExt cx="0" cy="0"/>
+        </a:xfrm>
+      </p:grpSpPr>
+      <p:pic>
+        <p:nvPicPr>
+          <p:cNvPr id="4" name="Picture 3"/>
+          <p:cNvPicPr>
+            <a:picLocks noChangeAspect="1"/>
+          </p:cNvPicPr>
+          <p:nvPr/>
+        </p:nvPicPr>
+        <p:blipFill>
+          <a:blip r:embed="rId2"/>
+          <a:stretch>
+            <a:fillRect/>
+          </a:stretch>
+        </p:blipFill>
+        <p:spPr>
+          <a:xfrm>
+            <a:off x="0" y="59636"/>
+            <a:ext cx="12192000" cy="2500510"/>
+          </a:xfrm>
+          <a:prstGeom prst="rect">
+            <a:avLst/>
+          </a:prstGeom>
+        </p:spPr>
+      </p:pic>
+      <p:pic>
+        <p:nvPicPr>
+          <p:cNvPr id="5" name="Picture 4"/>
+          <p:cNvPicPr>
+            <a:picLocks noChangeAspect="1"/>
+          </p:cNvPicPr>
+          <p:nvPr/>
+        </p:nvPicPr>
+        <p:blipFill>
+          <a:blip r:embed="rId3"/>
+          <a:stretch>
+            <a:fillRect/>
+          </a:stretch>
+        </p:blipFill>
+        <p:spPr>
+          <a:xfrm>
+            <a:off x="0" y="2560146"/>
+            <a:ext cx="12192000" cy="2703443"/>
+          </a:xfrm>
+          <a:prstGeom prst="rect">
+            <a:avLst/>
+          </a:prstGeom>
+        </p:spPr>
+      </p:pic>
+      <p:pic>
+        <p:nvPicPr>
+          <p:cNvPr id="6" name="Picture 5"/>
+          <p:cNvPicPr>
+            <a:picLocks noChangeAspect="1"/>
+          </p:cNvPicPr>
+          <p:nvPr/>
+        </p:nvPicPr>
+        <p:blipFill>
+          <a:blip r:embed="rId4"/>
+          <a:stretch>
+            <a:fillRect/>
+          </a:stretch>
+        </p:blipFill>
+        <p:spPr>
+          <a:xfrm>
+            <a:off x="0" y="5263589"/>
+            <a:ext cx="12192000" cy="1594411"/>
+          </a:xfrm>
+          <a:prstGeom prst="rect">
+            <a:avLst/>
+          </a:prstGeom>
+        </p:spPr>
+      </p:pic>
+    </p:spTree>
+    <p:extLst>
+      <p:ext uri="{BB962C8B-B14F-4D97-AF65-F5344CB8AC3E}">
+        <p14:creationId xmlns:p14="http://schemas.microsoft.com/office/powerpoint/2010/main" val="1946995826"/>
+      </p:ext>
+    </p:extLst>
+  </p:cSld>
+  <p:clrMapOvr>
+    <a:masterClrMapping/>
+  </p:clrMapOvr>
+</p:sld>
+</file>
+
+<file path=ppt/slides/slide9.xml><?xml version="1.0" encoding="utf-8"?>
+<p:sld xmlns:a="http://schemas.openxmlformats.org/drawingml/2006/main" xmlns:r="http://schemas.openxmlformats.org/officeDocument/2006/relationships" xmlns:p="http://schemas.openxmlformats.org/presentationml/2006/main">
+  <p:cSld>
+    <p:spTree>
+      <p:nvGrpSpPr>
+        <p:cNvPr id="1" name=""/>
+        <p:cNvGrpSpPr/>
+        <p:nvPr/>
+      </p:nvGrpSpPr>
+      <p:grpSpPr>
+        <a:xfrm>
+          <a:off x="0" y="0"/>
+          <a:ext cx="0" cy="0"/>
+          <a:chOff x="0" y="0"/>
+          <a:chExt cx="0" cy="0"/>
+        </a:xfrm>
+      </p:grpSpPr>
+      <p:pic>
+        <p:nvPicPr>
+          <p:cNvPr id="4" name="Picture 3"/>
+          <p:cNvPicPr>
+            <a:picLocks noChangeAspect="1"/>
+          </p:cNvPicPr>
+          <p:nvPr/>
+        </p:nvPicPr>
+        <p:blipFill>
+          <a:blip r:embed="rId2"/>
+          <a:stretch>
+            <a:fillRect/>
+          </a:stretch>
+        </p:blipFill>
+        <p:spPr>
+          <a:xfrm>
+            <a:off x="0" y="0"/>
+            <a:ext cx="12192000" cy="2500505"/>
+          </a:xfrm>
+          <a:prstGeom prst="rect">
+            <a:avLst/>
+          </a:prstGeom>
+        </p:spPr>
+      </p:pic>
+      <p:pic>
+        <p:nvPicPr>
+          <p:cNvPr id="5" name="Picture 4"/>
+          <p:cNvPicPr>
+            <a:picLocks noChangeAspect="1"/>
+          </p:cNvPicPr>
+          <p:nvPr/>
+        </p:nvPicPr>
+        <p:blipFill>
+          <a:blip r:embed="rId3"/>
+          <a:stretch>
+            <a:fillRect/>
+          </a:stretch>
+        </p:blipFill>
+        <p:spPr>
+          <a:xfrm>
+            <a:off x="0" y="2500505"/>
+            <a:ext cx="12192000" cy="4357496"/>
+          </a:xfrm>
+          <a:prstGeom prst="rect">
+            <a:avLst/>
+          </a:prstGeom>
+        </p:spPr>
+      </p:pic>
+    </p:spTree>
+    <p:extLst>
+      <p:ext uri="{BB962C8B-B14F-4D97-AF65-F5344CB8AC3E}">
+        <p14:creationId xmlns:p14="http://schemas.microsoft.com/office/powerpoint/2010/main" val="2994547064"/>
       </p:ext>
     </p:extLst>
   </p:cSld>

--- a/ChicagoCrimeData.pptx
+++ b/ChicagoCrimeData.pptx
@@ -16,6 +16,9 @@
     <p:sldId id="264" r:id="rId10"/>
     <p:sldId id="265" r:id="rId11"/>
     <p:sldId id="266" r:id="rId12"/>
+    <p:sldId id="267" r:id="rId13"/>
+    <p:sldId id="268" r:id="rId14"/>
+    <p:sldId id="269" r:id="rId15"/>
   </p:sldIdLst>
   <p:sldSz cx="12192000" cy="6858000"/>
   <p:notesSz cx="6858000" cy="9144000"/>
@@ -3151,6 +3154,216 @@
 </p:sld>
 </file>
 
+<file path=ppt/slides/slide12.xml><?xml version="1.0" encoding="utf-8"?>
+<p:sld xmlns:a="http://schemas.openxmlformats.org/drawingml/2006/main" xmlns:r="http://schemas.openxmlformats.org/officeDocument/2006/relationships" xmlns:p="http://schemas.openxmlformats.org/presentationml/2006/main">
+  <p:cSld>
+    <p:spTree>
+      <p:nvGrpSpPr>
+        <p:cNvPr id="1" name=""/>
+        <p:cNvGrpSpPr/>
+        <p:nvPr/>
+      </p:nvGrpSpPr>
+      <p:grpSpPr>
+        <a:xfrm>
+          <a:off x="0" y="0"/>
+          <a:ext cx="0" cy="0"/>
+          <a:chOff x="0" y="0"/>
+          <a:chExt cx="0" cy="0"/>
+        </a:xfrm>
+      </p:grpSpPr>
+      <p:pic>
+        <p:nvPicPr>
+          <p:cNvPr id="8" name="Picture 7"/>
+          <p:cNvPicPr>
+            <a:picLocks noChangeAspect="1"/>
+          </p:cNvPicPr>
+          <p:nvPr/>
+        </p:nvPicPr>
+        <p:blipFill>
+          <a:blip r:embed="rId2"/>
+          <a:stretch>
+            <a:fillRect/>
+          </a:stretch>
+        </p:blipFill>
+        <p:spPr>
+          <a:xfrm>
+            <a:off x="1" y="0"/>
+            <a:ext cx="4818490" cy="6858000"/>
+          </a:xfrm>
+          <a:prstGeom prst="rect">
+            <a:avLst/>
+          </a:prstGeom>
+        </p:spPr>
+      </p:pic>
+      <p:pic>
+        <p:nvPicPr>
+          <p:cNvPr id="9" name="Picture 8"/>
+          <p:cNvPicPr>
+            <a:picLocks noChangeAspect="1"/>
+          </p:cNvPicPr>
+          <p:nvPr/>
+        </p:nvPicPr>
+        <p:blipFill>
+          <a:blip r:embed="rId3"/>
+          <a:stretch>
+            <a:fillRect/>
+          </a:stretch>
+        </p:blipFill>
+        <p:spPr>
+          <a:xfrm>
+            <a:off x="4984442" y="-5963"/>
+            <a:ext cx="7207558" cy="3434963"/>
+          </a:xfrm>
+          <a:prstGeom prst="rect">
+            <a:avLst/>
+          </a:prstGeom>
+        </p:spPr>
+      </p:pic>
+    </p:spTree>
+    <p:extLst>
+      <p:ext uri="{BB962C8B-B14F-4D97-AF65-F5344CB8AC3E}">
+        <p14:creationId xmlns:p14="http://schemas.microsoft.com/office/powerpoint/2010/main" val="1569019146"/>
+      </p:ext>
+    </p:extLst>
+  </p:cSld>
+  <p:clrMapOvr>
+    <a:masterClrMapping/>
+  </p:clrMapOvr>
+</p:sld>
+</file>
+
+<file path=ppt/slides/slide13.xml><?xml version="1.0" encoding="utf-8"?>
+<p:sld xmlns:a="http://schemas.openxmlformats.org/drawingml/2006/main" xmlns:r="http://schemas.openxmlformats.org/officeDocument/2006/relationships" xmlns:p="http://schemas.openxmlformats.org/presentationml/2006/main">
+  <p:cSld>
+    <p:spTree>
+      <p:nvGrpSpPr>
+        <p:cNvPr id="1" name=""/>
+        <p:cNvGrpSpPr/>
+        <p:nvPr/>
+      </p:nvGrpSpPr>
+      <p:grpSpPr>
+        <a:xfrm>
+          <a:off x="0" y="0"/>
+          <a:ext cx="0" cy="0"/>
+          <a:chOff x="0" y="0"/>
+          <a:chExt cx="0" cy="0"/>
+        </a:xfrm>
+      </p:grpSpPr>
+      <p:pic>
+        <p:nvPicPr>
+          <p:cNvPr id="9" name="Picture 8"/>
+          <p:cNvPicPr>
+            <a:picLocks noChangeAspect="1"/>
+          </p:cNvPicPr>
+          <p:nvPr/>
+        </p:nvPicPr>
+        <p:blipFill>
+          <a:blip r:embed="rId2"/>
+          <a:stretch>
+            <a:fillRect/>
+          </a:stretch>
+        </p:blipFill>
+        <p:spPr>
+          <a:xfrm>
+            <a:off x="0" y="0"/>
+            <a:ext cx="5876925" cy="3486150"/>
+          </a:xfrm>
+          <a:prstGeom prst="rect">
+            <a:avLst/>
+          </a:prstGeom>
+        </p:spPr>
+      </p:pic>
+      <p:pic>
+        <p:nvPicPr>
+          <p:cNvPr id="10" name="Picture 9"/>
+          <p:cNvPicPr>
+            <a:picLocks noChangeAspect="1"/>
+          </p:cNvPicPr>
+          <p:nvPr/>
+        </p:nvPicPr>
+        <p:blipFill>
+          <a:blip r:embed="rId3"/>
+          <a:stretch>
+            <a:fillRect/>
+          </a:stretch>
+        </p:blipFill>
+        <p:spPr>
+          <a:xfrm>
+            <a:off x="5658596" y="0"/>
+            <a:ext cx="5391150" cy="6200775"/>
+          </a:xfrm>
+          <a:prstGeom prst="rect">
+            <a:avLst/>
+          </a:prstGeom>
+        </p:spPr>
+      </p:pic>
+    </p:spTree>
+    <p:extLst>
+      <p:ext uri="{BB962C8B-B14F-4D97-AF65-F5344CB8AC3E}">
+        <p14:creationId xmlns:p14="http://schemas.microsoft.com/office/powerpoint/2010/main" val="281065891"/>
+      </p:ext>
+    </p:extLst>
+  </p:cSld>
+  <p:clrMapOvr>
+    <a:masterClrMapping/>
+  </p:clrMapOvr>
+</p:sld>
+</file>
+
+<file path=ppt/slides/slide14.xml><?xml version="1.0" encoding="utf-8"?>
+<p:sld xmlns:a="http://schemas.openxmlformats.org/drawingml/2006/main" xmlns:r="http://schemas.openxmlformats.org/officeDocument/2006/relationships" xmlns:p="http://schemas.openxmlformats.org/presentationml/2006/main">
+  <p:cSld>
+    <p:spTree>
+      <p:nvGrpSpPr>
+        <p:cNvPr id="1" name=""/>
+        <p:cNvGrpSpPr/>
+        <p:nvPr/>
+      </p:nvGrpSpPr>
+      <p:grpSpPr>
+        <a:xfrm>
+          <a:off x="0" y="0"/>
+          <a:ext cx="0" cy="0"/>
+          <a:chOff x="0" y="0"/>
+          <a:chExt cx="0" cy="0"/>
+        </a:xfrm>
+      </p:grpSpPr>
+      <p:pic>
+        <p:nvPicPr>
+          <p:cNvPr id="4" name="Picture 3"/>
+          <p:cNvPicPr>
+            <a:picLocks noChangeAspect="1"/>
+          </p:cNvPicPr>
+          <p:nvPr/>
+        </p:nvPicPr>
+        <p:blipFill>
+          <a:blip r:embed="rId2"/>
+          <a:stretch>
+            <a:fillRect/>
+          </a:stretch>
+        </p:blipFill>
+        <p:spPr>
+          <a:xfrm>
+            <a:off x="3458116" y="0"/>
+            <a:ext cx="5196254" cy="6858000"/>
+          </a:xfrm>
+          <a:prstGeom prst="rect">
+            <a:avLst/>
+          </a:prstGeom>
+        </p:spPr>
+      </p:pic>
+    </p:spTree>
+    <p:extLst>
+      <p:ext uri="{BB962C8B-B14F-4D97-AF65-F5344CB8AC3E}">
+        <p14:creationId xmlns:p14="http://schemas.microsoft.com/office/powerpoint/2010/main" val="2614402487"/>
+      </p:ext>
+    </p:extLst>
+  </p:cSld>
+  <p:clrMapOvr>
+    <a:masterClrMapping/>
+  </p:clrMapOvr>
+</p:sld>
+</file>
+
 <file path=ppt/slides/slide2.xml><?xml version="1.0" encoding="utf-8"?>
 <p:sld xmlns:a="http://schemas.openxmlformats.org/drawingml/2006/main" xmlns:r="http://schemas.openxmlformats.org/officeDocument/2006/relationships" xmlns:p="http://schemas.openxmlformats.org/presentationml/2006/main">
   <p:cSld>

--- a/ChicagoCrimeData.pptx
+++ b/ChicagoCrimeData.pptx
@@ -8,17 +8,14 @@
     <p:sldId id="256" r:id="rId2"/>
     <p:sldId id="257" r:id="rId3"/>
     <p:sldId id="258" r:id="rId4"/>
-    <p:sldId id="259" r:id="rId5"/>
-    <p:sldId id="260" r:id="rId6"/>
-    <p:sldId id="261" r:id="rId7"/>
-    <p:sldId id="262" r:id="rId8"/>
-    <p:sldId id="263" r:id="rId9"/>
-    <p:sldId id="264" r:id="rId10"/>
-    <p:sldId id="265" r:id="rId11"/>
-    <p:sldId id="266" r:id="rId12"/>
-    <p:sldId id="267" r:id="rId13"/>
-    <p:sldId id="268" r:id="rId14"/>
-    <p:sldId id="269" r:id="rId15"/>
+    <p:sldId id="262" r:id="rId5"/>
+    <p:sldId id="263" r:id="rId6"/>
+    <p:sldId id="264" r:id="rId7"/>
+    <p:sldId id="265" r:id="rId8"/>
+    <p:sldId id="266" r:id="rId9"/>
+    <p:sldId id="267" r:id="rId10"/>
+    <p:sldId id="268" r:id="rId11"/>
+    <p:sldId id="269" r:id="rId12"/>
   </p:sldIdLst>
   <p:sldSz cx="12192000" cy="6858000"/>
   <p:notesSz cx="6858000" cy="9144000"/>
@@ -3041,216 +3038,6 @@
       </p:grpSpPr>
       <p:pic>
         <p:nvPicPr>
-          <p:cNvPr id="4" name="Picture 3"/>
-          <p:cNvPicPr>
-            <a:picLocks noChangeAspect="1"/>
-          </p:cNvPicPr>
-          <p:nvPr/>
-        </p:nvPicPr>
-        <p:blipFill>
-          <a:blip r:embed="rId2"/>
-          <a:stretch>
-            <a:fillRect/>
-          </a:stretch>
-        </p:blipFill>
-        <p:spPr>
-          <a:xfrm>
-            <a:off x="0" y="0"/>
-            <a:ext cx="12192000" cy="4293704"/>
-          </a:xfrm>
-          <a:prstGeom prst="rect">
-            <a:avLst/>
-          </a:prstGeom>
-        </p:spPr>
-      </p:pic>
-    </p:spTree>
-    <p:extLst>
-      <p:ext uri="{BB962C8B-B14F-4D97-AF65-F5344CB8AC3E}">
-        <p14:creationId xmlns:p14="http://schemas.microsoft.com/office/powerpoint/2010/main" val="1197414355"/>
-      </p:ext>
-    </p:extLst>
-  </p:cSld>
-  <p:clrMapOvr>
-    <a:masterClrMapping/>
-  </p:clrMapOvr>
-</p:sld>
-</file>
-
-<file path=ppt/slides/slide11.xml><?xml version="1.0" encoding="utf-8"?>
-<p:sld xmlns:a="http://schemas.openxmlformats.org/drawingml/2006/main" xmlns:r="http://schemas.openxmlformats.org/officeDocument/2006/relationships" xmlns:p="http://schemas.openxmlformats.org/presentationml/2006/main">
-  <p:cSld>
-    <p:spTree>
-      <p:nvGrpSpPr>
-        <p:cNvPr id="1" name=""/>
-        <p:cNvGrpSpPr/>
-        <p:nvPr/>
-      </p:nvGrpSpPr>
-      <p:grpSpPr>
-        <a:xfrm>
-          <a:off x="0" y="0"/>
-          <a:ext cx="0" cy="0"/>
-          <a:chOff x="0" y="0"/>
-          <a:chExt cx="0" cy="0"/>
-        </a:xfrm>
-      </p:grpSpPr>
-      <p:pic>
-        <p:nvPicPr>
-          <p:cNvPr id="4" name="Picture 3"/>
-          <p:cNvPicPr>
-            <a:picLocks noChangeAspect="1"/>
-          </p:cNvPicPr>
-          <p:nvPr/>
-        </p:nvPicPr>
-        <p:blipFill>
-          <a:blip r:embed="rId2"/>
-          <a:stretch>
-            <a:fillRect/>
-          </a:stretch>
-        </p:blipFill>
-        <p:spPr>
-          <a:xfrm>
-            <a:off x="0" y="1"/>
-            <a:ext cx="12192000" cy="4412974"/>
-          </a:xfrm>
-          <a:prstGeom prst="rect">
-            <a:avLst/>
-          </a:prstGeom>
-        </p:spPr>
-      </p:pic>
-      <p:pic>
-        <p:nvPicPr>
-          <p:cNvPr id="5" name="Picture 4"/>
-          <p:cNvPicPr>
-            <a:picLocks noChangeAspect="1"/>
-          </p:cNvPicPr>
-          <p:nvPr/>
-        </p:nvPicPr>
-        <p:blipFill>
-          <a:blip r:embed="rId3"/>
-          <a:stretch>
-            <a:fillRect/>
-          </a:stretch>
-        </p:blipFill>
-        <p:spPr>
-          <a:xfrm>
-            <a:off x="0" y="4299490"/>
-            <a:ext cx="12192000" cy="2558510"/>
-          </a:xfrm>
-          <a:prstGeom prst="rect">
-            <a:avLst/>
-          </a:prstGeom>
-        </p:spPr>
-      </p:pic>
-    </p:spTree>
-    <p:extLst>
-      <p:ext uri="{BB962C8B-B14F-4D97-AF65-F5344CB8AC3E}">
-        <p14:creationId xmlns:p14="http://schemas.microsoft.com/office/powerpoint/2010/main" val="208204215"/>
-      </p:ext>
-    </p:extLst>
-  </p:cSld>
-  <p:clrMapOvr>
-    <a:masterClrMapping/>
-  </p:clrMapOvr>
-</p:sld>
-</file>
-
-<file path=ppt/slides/slide12.xml><?xml version="1.0" encoding="utf-8"?>
-<p:sld xmlns:a="http://schemas.openxmlformats.org/drawingml/2006/main" xmlns:r="http://schemas.openxmlformats.org/officeDocument/2006/relationships" xmlns:p="http://schemas.openxmlformats.org/presentationml/2006/main">
-  <p:cSld>
-    <p:spTree>
-      <p:nvGrpSpPr>
-        <p:cNvPr id="1" name=""/>
-        <p:cNvGrpSpPr/>
-        <p:nvPr/>
-      </p:nvGrpSpPr>
-      <p:grpSpPr>
-        <a:xfrm>
-          <a:off x="0" y="0"/>
-          <a:ext cx="0" cy="0"/>
-          <a:chOff x="0" y="0"/>
-          <a:chExt cx="0" cy="0"/>
-        </a:xfrm>
-      </p:grpSpPr>
-      <p:pic>
-        <p:nvPicPr>
-          <p:cNvPr id="8" name="Picture 7"/>
-          <p:cNvPicPr>
-            <a:picLocks noChangeAspect="1"/>
-          </p:cNvPicPr>
-          <p:nvPr/>
-        </p:nvPicPr>
-        <p:blipFill>
-          <a:blip r:embed="rId2"/>
-          <a:stretch>
-            <a:fillRect/>
-          </a:stretch>
-        </p:blipFill>
-        <p:spPr>
-          <a:xfrm>
-            <a:off x="1" y="0"/>
-            <a:ext cx="4818490" cy="6858000"/>
-          </a:xfrm>
-          <a:prstGeom prst="rect">
-            <a:avLst/>
-          </a:prstGeom>
-        </p:spPr>
-      </p:pic>
-      <p:pic>
-        <p:nvPicPr>
-          <p:cNvPr id="9" name="Picture 8"/>
-          <p:cNvPicPr>
-            <a:picLocks noChangeAspect="1"/>
-          </p:cNvPicPr>
-          <p:nvPr/>
-        </p:nvPicPr>
-        <p:blipFill>
-          <a:blip r:embed="rId3"/>
-          <a:stretch>
-            <a:fillRect/>
-          </a:stretch>
-        </p:blipFill>
-        <p:spPr>
-          <a:xfrm>
-            <a:off x="4984442" y="-5963"/>
-            <a:ext cx="7207558" cy="3434963"/>
-          </a:xfrm>
-          <a:prstGeom prst="rect">
-            <a:avLst/>
-          </a:prstGeom>
-        </p:spPr>
-      </p:pic>
-    </p:spTree>
-    <p:extLst>
-      <p:ext uri="{BB962C8B-B14F-4D97-AF65-F5344CB8AC3E}">
-        <p14:creationId xmlns:p14="http://schemas.microsoft.com/office/powerpoint/2010/main" val="1569019146"/>
-      </p:ext>
-    </p:extLst>
-  </p:cSld>
-  <p:clrMapOvr>
-    <a:masterClrMapping/>
-  </p:clrMapOvr>
-</p:sld>
-</file>
-
-<file path=ppt/slides/slide13.xml><?xml version="1.0" encoding="utf-8"?>
-<p:sld xmlns:a="http://schemas.openxmlformats.org/drawingml/2006/main" xmlns:r="http://schemas.openxmlformats.org/officeDocument/2006/relationships" xmlns:p="http://schemas.openxmlformats.org/presentationml/2006/main">
-  <p:cSld>
-    <p:spTree>
-      <p:nvGrpSpPr>
-        <p:cNvPr id="1" name=""/>
-        <p:cNvGrpSpPr/>
-        <p:nvPr/>
-      </p:nvGrpSpPr>
-      <p:grpSpPr>
-        <a:xfrm>
-          <a:off x="0" y="0"/>
-          <a:ext cx="0" cy="0"/>
-          <a:chOff x="0" y="0"/>
-          <a:chExt cx="0" cy="0"/>
-        </a:xfrm>
-      </p:grpSpPr>
-      <p:pic>
-        <p:nvPicPr>
           <p:cNvPr id="9" name="Picture 8"/>
           <p:cNvPicPr>
             <a:picLocks noChangeAspect="1"/>
@@ -3310,7 +3097,7 @@
 </p:sld>
 </file>
 
-<file path=ppt/slides/slide14.xml><?xml version="1.0" encoding="utf-8"?>
+<file path=ppt/slides/slide11.xml><?xml version="1.0" encoding="utf-8"?>
 <p:sld xmlns:a="http://schemas.openxmlformats.org/drawingml/2006/main" xmlns:r="http://schemas.openxmlformats.org/officeDocument/2006/relationships" xmlns:p="http://schemas.openxmlformats.org/presentationml/2006/main">
   <p:cSld>
     <p:spTree>
@@ -3515,7 +3302,7 @@
       </p:grpSpPr>
       <p:pic>
         <p:nvPicPr>
-          <p:cNvPr id="2" name="Picture 1"/>
+          <p:cNvPr id="4" name="Picture 3"/>
           <p:cNvPicPr>
             <a:picLocks noChangeAspect="1"/>
           </p:cNvPicPr>
@@ -3529,8 +3316,8 @@
         </p:blipFill>
         <p:spPr>
           <a:xfrm>
-            <a:off x="90586" y="0"/>
-            <a:ext cx="3121269" cy="6858000"/>
+            <a:off x="0" y="0"/>
+            <a:ext cx="12192000" cy="2454548"/>
           </a:xfrm>
           <a:prstGeom prst="rect">
             <a:avLst/>
@@ -3539,7 +3326,7 @@
       </p:pic>
       <p:pic>
         <p:nvPicPr>
-          <p:cNvPr id="3" name="Picture 2"/>
+          <p:cNvPr id="5" name="Picture 4"/>
           <p:cNvPicPr>
             <a:picLocks noChangeAspect="1"/>
           </p:cNvPicPr>
@@ -3553,8 +3340,8 @@
         </p:blipFill>
         <p:spPr>
           <a:xfrm>
-            <a:off x="2668040" y="0"/>
-            <a:ext cx="2720743" cy="6858000"/>
+            <a:off x="0" y="2356089"/>
+            <a:ext cx="12192000" cy="2326457"/>
           </a:xfrm>
           <a:prstGeom prst="rect">
             <a:avLst/>
@@ -3563,7 +3350,7 @@
       </p:pic>
       <p:pic>
         <p:nvPicPr>
-          <p:cNvPr id="4" name="Picture 3"/>
+          <p:cNvPr id="6" name="Picture 5"/>
           <p:cNvPicPr>
             <a:picLocks noChangeAspect="1"/>
           </p:cNvPicPr>
@@ -3577,56 +3364,8 @@
         </p:blipFill>
         <p:spPr>
           <a:xfrm>
-            <a:off x="5101164" y="0"/>
-            <a:ext cx="2624776" cy="6858000"/>
-          </a:xfrm>
-          <a:prstGeom prst="rect">
-            <a:avLst/>
-          </a:prstGeom>
-        </p:spPr>
-      </p:pic>
-      <p:pic>
-        <p:nvPicPr>
-          <p:cNvPr id="5" name="Picture 4"/>
-          <p:cNvPicPr>
-            <a:picLocks noChangeAspect="1"/>
-          </p:cNvPicPr>
-          <p:nvPr/>
-        </p:nvPicPr>
-        <p:blipFill>
-          <a:blip r:embed="rId5"/>
-          <a:stretch>
-            <a:fillRect/>
-          </a:stretch>
-        </p:blipFill>
-        <p:spPr>
-          <a:xfrm>
-            <a:off x="7488082" y="0"/>
-            <a:ext cx="2559614" cy="6858000"/>
-          </a:xfrm>
-          <a:prstGeom prst="rect">
-            <a:avLst/>
-          </a:prstGeom>
-        </p:spPr>
-      </p:pic>
-      <p:pic>
-        <p:nvPicPr>
-          <p:cNvPr id="6" name="Picture 5"/>
-          <p:cNvPicPr>
-            <a:picLocks noChangeAspect="1"/>
-          </p:cNvPicPr>
-          <p:nvPr/>
-        </p:nvPicPr>
-        <p:blipFill>
-          <a:blip r:embed="rId6"/>
-          <a:stretch>
-            <a:fillRect/>
-          </a:stretch>
-        </p:blipFill>
-        <p:spPr>
-          <a:xfrm>
-            <a:off x="9825239" y="0"/>
-            <a:ext cx="2725838" cy="6858000"/>
+            <a:off x="0" y="4682546"/>
+            <a:ext cx="12192000" cy="2175454"/>
           </a:xfrm>
           <a:prstGeom prst="rect">
             <a:avLst/>
@@ -3636,7 +3375,7 @@
     </p:spTree>
     <p:extLst>
       <p:ext uri="{BB962C8B-B14F-4D97-AF65-F5344CB8AC3E}">
-        <p14:creationId xmlns:p14="http://schemas.microsoft.com/office/powerpoint/2010/main" val="2258309652"/>
+        <p14:creationId xmlns:p14="http://schemas.microsoft.com/office/powerpoint/2010/main" val="282813117"/>
       </p:ext>
     </p:extLst>
   </p:cSld>
@@ -3679,8 +3418,8 @@
         </p:blipFill>
         <p:spPr>
           <a:xfrm>
-            <a:off x="0" y="0"/>
-            <a:ext cx="2762744" cy="6858000"/>
+            <a:off x="0" y="59636"/>
+            <a:ext cx="12192000" cy="2500510"/>
           </a:xfrm>
           <a:prstGeom prst="rect">
             <a:avLst/>
@@ -3703,8 +3442,8 @@
         </p:blipFill>
         <p:spPr>
           <a:xfrm>
-            <a:off x="2405248" y="0"/>
-            <a:ext cx="2769747" cy="6858000"/>
+            <a:off x="0" y="2560146"/>
+            <a:ext cx="12192000" cy="2703443"/>
           </a:xfrm>
           <a:prstGeom prst="rect">
             <a:avLst/>
@@ -3727,56 +3466,8 @@
         </p:blipFill>
         <p:spPr>
           <a:xfrm>
-            <a:off x="4806027" y="0"/>
-            <a:ext cx="2774216" cy="6858000"/>
-          </a:xfrm>
-          <a:prstGeom prst="rect">
-            <a:avLst/>
-          </a:prstGeom>
-        </p:spPr>
-      </p:pic>
-      <p:pic>
-        <p:nvPicPr>
-          <p:cNvPr id="7" name="Picture 6"/>
-          <p:cNvPicPr>
-            <a:picLocks noChangeAspect="1"/>
-          </p:cNvPicPr>
-          <p:nvPr/>
-        </p:nvPicPr>
-        <p:blipFill>
-          <a:blip r:embed="rId5"/>
-          <a:stretch>
-            <a:fillRect/>
-          </a:stretch>
-        </p:blipFill>
-        <p:spPr>
-          <a:xfrm>
-            <a:off x="7218278" y="0"/>
-            <a:ext cx="2650477" cy="6858000"/>
-          </a:xfrm>
-          <a:prstGeom prst="rect">
-            <a:avLst/>
-          </a:prstGeom>
-        </p:spPr>
-      </p:pic>
-      <p:pic>
-        <p:nvPicPr>
-          <p:cNvPr id="8" name="Picture 7"/>
-          <p:cNvPicPr>
-            <a:picLocks noChangeAspect="1"/>
-          </p:cNvPicPr>
-          <p:nvPr/>
-        </p:nvPicPr>
-        <p:blipFill>
-          <a:blip r:embed="rId6"/>
-          <a:stretch>
-            <a:fillRect/>
-          </a:stretch>
-        </p:blipFill>
-        <p:spPr>
-          <a:xfrm>
-            <a:off x="9623527" y="0"/>
-            <a:ext cx="2568474" cy="6858000"/>
+            <a:off x="0" y="5263589"/>
+            <a:ext cx="12192000" cy="1594411"/>
           </a:xfrm>
           <a:prstGeom prst="rect">
             <a:avLst/>
@@ -3786,7 +3477,7 @@
     </p:spTree>
     <p:extLst>
       <p:ext uri="{BB962C8B-B14F-4D97-AF65-F5344CB8AC3E}">
-        <p14:creationId xmlns:p14="http://schemas.microsoft.com/office/powerpoint/2010/main" val="3131933257"/>
+        <p14:creationId xmlns:p14="http://schemas.microsoft.com/office/powerpoint/2010/main" val="1946995826"/>
       </p:ext>
     </p:extLst>
   </p:cSld>
@@ -3829,8 +3520,8 @@
         </p:blipFill>
         <p:spPr>
           <a:xfrm>
-            <a:off x="2027582" y="0"/>
-            <a:ext cx="2915520" cy="6858000"/>
+            <a:off x="0" y="0"/>
+            <a:ext cx="12192000" cy="2500505"/>
           </a:xfrm>
           <a:prstGeom prst="rect">
             <a:avLst/>
@@ -3853,8 +3544,8 @@
         </p:blipFill>
         <p:spPr>
           <a:xfrm>
-            <a:off x="4943102" y="0"/>
-            <a:ext cx="2931613" cy="2361330"/>
+            <a:off x="0" y="2500505"/>
+            <a:ext cx="12192000" cy="4357496"/>
           </a:xfrm>
           <a:prstGeom prst="rect">
             <a:avLst/>
@@ -3864,7 +3555,7 @@
     </p:spTree>
     <p:extLst>
       <p:ext uri="{BB962C8B-B14F-4D97-AF65-F5344CB8AC3E}">
-        <p14:creationId xmlns:p14="http://schemas.microsoft.com/office/powerpoint/2010/main" val="1141458562"/>
+        <p14:creationId xmlns:p14="http://schemas.microsoft.com/office/powerpoint/2010/main" val="2994547064"/>
       </p:ext>
     </p:extLst>
   </p:cSld>
@@ -3908,55 +3599,7 @@
         <p:spPr>
           <a:xfrm>
             <a:off x="0" y="0"/>
-            <a:ext cx="12192000" cy="2454548"/>
-          </a:xfrm>
-          <a:prstGeom prst="rect">
-            <a:avLst/>
-          </a:prstGeom>
-        </p:spPr>
-      </p:pic>
-      <p:pic>
-        <p:nvPicPr>
-          <p:cNvPr id="5" name="Picture 4"/>
-          <p:cNvPicPr>
-            <a:picLocks noChangeAspect="1"/>
-          </p:cNvPicPr>
-          <p:nvPr/>
-        </p:nvPicPr>
-        <p:blipFill>
-          <a:blip r:embed="rId3"/>
-          <a:stretch>
-            <a:fillRect/>
-          </a:stretch>
-        </p:blipFill>
-        <p:spPr>
-          <a:xfrm>
-            <a:off x="0" y="2356089"/>
-            <a:ext cx="12192000" cy="2326457"/>
-          </a:xfrm>
-          <a:prstGeom prst="rect">
-            <a:avLst/>
-          </a:prstGeom>
-        </p:spPr>
-      </p:pic>
-      <p:pic>
-        <p:nvPicPr>
-          <p:cNvPr id="6" name="Picture 5"/>
-          <p:cNvPicPr>
-            <a:picLocks noChangeAspect="1"/>
-          </p:cNvPicPr>
-          <p:nvPr/>
-        </p:nvPicPr>
-        <p:blipFill>
-          <a:blip r:embed="rId4"/>
-          <a:stretch>
-            <a:fillRect/>
-          </a:stretch>
-        </p:blipFill>
-        <p:spPr>
-          <a:xfrm>
-            <a:off x="0" y="4682546"/>
-            <a:ext cx="12192000" cy="2175454"/>
+            <a:ext cx="12192000" cy="4293704"/>
           </a:xfrm>
           <a:prstGeom prst="rect">
             <a:avLst/>
@@ -3966,7 +3609,7 @@
     </p:spTree>
     <p:extLst>
       <p:ext uri="{BB962C8B-B14F-4D97-AF65-F5344CB8AC3E}">
-        <p14:creationId xmlns:p14="http://schemas.microsoft.com/office/powerpoint/2010/main" val="282813117"/>
+        <p14:creationId xmlns:p14="http://schemas.microsoft.com/office/powerpoint/2010/main" val="1197414355"/>
       </p:ext>
     </p:extLst>
   </p:cSld>
@@ -4009,8 +3652,8 @@
         </p:blipFill>
         <p:spPr>
           <a:xfrm>
-            <a:off x="0" y="59636"/>
-            <a:ext cx="12192000" cy="2500510"/>
+            <a:off x="0" y="1"/>
+            <a:ext cx="12192000" cy="4412974"/>
           </a:xfrm>
           <a:prstGeom prst="rect">
             <a:avLst/>
@@ -4033,32 +3676,8 @@
         </p:blipFill>
         <p:spPr>
           <a:xfrm>
-            <a:off x="0" y="2560146"/>
-            <a:ext cx="12192000" cy="2703443"/>
-          </a:xfrm>
-          <a:prstGeom prst="rect">
-            <a:avLst/>
-          </a:prstGeom>
-        </p:spPr>
-      </p:pic>
-      <p:pic>
-        <p:nvPicPr>
-          <p:cNvPr id="6" name="Picture 5"/>
-          <p:cNvPicPr>
-            <a:picLocks noChangeAspect="1"/>
-          </p:cNvPicPr>
-          <p:nvPr/>
-        </p:nvPicPr>
-        <p:blipFill>
-          <a:blip r:embed="rId4"/>
-          <a:stretch>
-            <a:fillRect/>
-          </a:stretch>
-        </p:blipFill>
-        <p:spPr>
-          <a:xfrm>
-            <a:off x="0" y="5263589"/>
-            <a:ext cx="12192000" cy="1594411"/>
+            <a:off x="0" y="4299490"/>
+            <a:ext cx="12192000" cy="2558510"/>
           </a:xfrm>
           <a:prstGeom prst="rect">
             <a:avLst/>
@@ -4068,7 +3687,7 @@
     </p:spTree>
     <p:extLst>
       <p:ext uri="{BB962C8B-B14F-4D97-AF65-F5344CB8AC3E}">
-        <p14:creationId xmlns:p14="http://schemas.microsoft.com/office/powerpoint/2010/main" val="1946995826"/>
+        <p14:creationId xmlns:p14="http://schemas.microsoft.com/office/powerpoint/2010/main" val="208204215"/>
       </p:ext>
     </p:extLst>
   </p:cSld>
@@ -4097,7 +3716,7 @@
       </p:grpSpPr>
       <p:pic>
         <p:nvPicPr>
-          <p:cNvPr id="4" name="Picture 3"/>
+          <p:cNvPr id="8" name="Picture 7"/>
           <p:cNvPicPr>
             <a:picLocks noChangeAspect="1"/>
           </p:cNvPicPr>
@@ -4111,8 +3730,8 @@
         </p:blipFill>
         <p:spPr>
           <a:xfrm>
-            <a:off x="0" y="0"/>
-            <a:ext cx="12192000" cy="2500505"/>
+            <a:off x="1" y="0"/>
+            <a:ext cx="4818490" cy="6858000"/>
           </a:xfrm>
           <a:prstGeom prst="rect">
             <a:avLst/>
@@ -4121,7 +3740,7 @@
       </p:pic>
       <p:pic>
         <p:nvPicPr>
-          <p:cNvPr id="5" name="Picture 4"/>
+          <p:cNvPr id="9" name="Picture 8"/>
           <p:cNvPicPr>
             <a:picLocks noChangeAspect="1"/>
           </p:cNvPicPr>
@@ -4135,8 +3754,8 @@
         </p:blipFill>
         <p:spPr>
           <a:xfrm>
-            <a:off x="0" y="2500505"/>
-            <a:ext cx="12192000" cy="4357496"/>
+            <a:off x="4984442" y="-5963"/>
+            <a:ext cx="7207558" cy="3434963"/>
           </a:xfrm>
           <a:prstGeom prst="rect">
             <a:avLst/>
@@ -4146,7 +3765,7 @@
     </p:spTree>
     <p:extLst>
       <p:ext uri="{BB962C8B-B14F-4D97-AF65-F5344CB8AC3E}">
-        <p14:creationId xmlns:p14="http://schemas.microsoft.com/office/powerpoint/2010/main" val="2994547064"/>
+        <p14:creationId xmlns:p14="http://schemas.microsoft.com/office/powerpoint/2010/main" val="1569019146"/>
       </p:ext>
     </p:extLst>
   </p:cSld>

--- a/ChicagoCrimeData.pptx
+++ b/ChicagoCrimeData.pptx
@@ -16,6 +16,7 @@
     <p:sldId id="267" r:id="rId10"/>
     <p:sldId id="268" r:id="rId11"/>
     <p:sldId id="269" r:id="rId12"/>
+    <p:sldId id="270" r:id="rId13"/>
   </p:sldIdLst>
   <p:sldSz cx="12192000" cy="6858000"/>
   <p:notesSz cx="6858000" cy="9144000"/>
@@ -251,7 +252,7 @@
           <a:p>
             <a:fld id="{573AF0FD-6AD9-473B-B476-29BD3298296B}" type="datetimeFigureOut">
               <a:rPr lang="en-US" smtClean="0"/>
-              <a:t>8/16/2017</a:t>
+              <a:t>8/17/2017</a:t>
             </a:fld>
             <a:endParaRPr lang="en-US"/>
           </a:p>
@@ -419,7 +420,7 @@
           <a:p>
             <a:fld id="{573AF0FD-6AD9-473B-B476-29BD3298296B}" type="datetimeFigureOut">
               <a:rPr lang="en-US" smtClean="0"/>
-              <a:t>8/16/2017</a:t>
+              <a:t>8/17/2017</a:t>
             </a:fld>
             <a:endParaRPr lang="en-US"/>
           </a:p>
@@ -597,7 +598,7 @@
           <a:p>
             <a:fld id="{573AF0FD-6AD9-473B-B476-29BD3298296B}" type="datetimeFigureOut">
               <a:rPr lang="en-US" smtClean="0"/>
-              <a:t>8/16/2017</a:t>
+              <a:t>8/17/2017</a:t>
             </a:fld>
             <a:endParaRPr lang="en-US"/>
           </a:p>
@@ -765,7 +766,7 @@
           <a:p>
             <a:fld id="{573AF0FD-6AD9-473B-B476-29BD3298296B}" type="datetimeFigureOut">
               <a:rPr lang="en-US" smtClean="0"/>
-              <a:t>8/16/2017</a:t>
+              <a:t>8/17/2017</a:t>
             </a:fld>
             <a:endParaRPr lang="en-US"/>
           </a:p>
@@ -1010,7 +1011,7 @@
           <a:p>
             <a:fld id="{573AF0FD-6AD9-473B-B476-29BD3298296B}" type="datetimeFigureOut">
               <a:rPr lang="en-US" smtClean="0"/>
-              <a:t>8/16/2017</a:t>
+              <a:t>8/17/2017</a:t>
             </a:fld>
             <a:endParaRPr lang="en-US"/>
           </a:p>
@@ -1239,7 +1240,7 @@
           <a:p>
             <a:fld id="{573AF0FD-6AD9-473B-B476-29BD3298296B}" type="datetimeFigureOut">
               <a:rPr lang="en-US" smtClean="0"/>
-              <a:t>8/16/2017</a:t>
+              <a:t>8/17/2017</a:t>
             </a:fld>
             <a:endParaRPr lang="en-US"/>
           </a:p>
@@ -1603,7 +1604,7 @@
           <a:p>
             <a:fld id="{573AF0FD-6AD9-473B-B476-29BD3298296B}" type="datetimeFigureOut">
               <a:rPr lang="en-US" smtClean="0"/>
-              <a:t>8/16/2017</a:t>
+              <a:t>8/17/2017</a:t>
             </a:fld>
             <a:endParaRPr lang="en-US"/>
           </a:p>
@@ -1720,7 +1721,7 @@
           <a:p>
             <a:fld id="{573AF0FD-6AD9-473B-B476-29BD3298296B}" type="datetimeFigureOut">
               <a:rPr lang="en-US" smtClean="0"/>
-              <a:t>8/16/2017</a:t>
+              <a:t>8/17/2017</a:t>
             </a:fld>
             <a:endParaRPr lang="en-US"/>
           </a:p>
@@ -1815,7 +1816,7 @@
           <a:p>
             <a:fld id="{573AF0FD-6AD9-473B-B476-29BD3298296B}" type="datetimeFigureOut">
               <a:rPr lang="en-US" smtClean="0"/>
-              <a:t>8/16/2017</a:t>
+              <a:t>8/17/2017</a:t>
             </a:fld>
             <a:endParaRPr lang="en-US"/>
           </a:p>
@@ -2090,7 +2091,7 @@
           <a:p>
             <a:fld id="{573AF0FD-6AD9-473B-B476-29BD3298296B}" type="datetimeFigureOut">
               <a:rPr lang="en-US" smtClean="0"/>
-              <a:t>8/16/2017</a:t>
+              <a:t>8/17/2017</a:t>
             </a:fld>
             <a:endParaRPr lang="en-US"/>
           </a:p>
@@ -2342,7 +2343,7 @@
           <a:p>
             <a:fld id="{573AF0FD-6AD9-473B-B476-29BD3298296B}" type="datetimeFigureOut">
               <a:rPr lang="en-US" smtClean="0"/>
-              <a:t>8/16/2017</a:t>
+              <a:t>8/17/2017</a:t>
             </a:fld>
             <a:endParaRPr lang="en-US"/>
           </a:p>
@@ -2553,7 +2554,7 @@
           <a:p>
             <a:fld id="{573AF0FD-6AD9-473B-B476-29BD3298296B}" type="datetimeFigureOut">
               <a:rPr lang="en-US" smtClean="0"/>
-              <a:t>8/16/2017</a:t>
+              <a:t>8/17/2017</a:t>
             </a:fld>
             <a:endParaRPr lang="en-US"/>
           </a:p>
@@ -3151,6 +3152,84 @@
 </p:sld>
 </file>
 
+<file path=ppt/slides/slide12.xml><?xml version="1.0" encoding="utf-8"?>
+<p:sld xmlns:a="http://schemas.openxmlformats.org/drawingml/2006/main" xmlns:r="http://schemas.openxmlformats.org/officeDocument/2006/relationships" xmlns:p="http://schemas.openxmlformats.org/presentationml/2006/main">
+  <p:cSld>
+    <p:spTree>
+      <p:nvGrpSpPr>
+        <p:cNvPr id="1" name=""/>
+        <p:cNvGrpSpPr/>
+        <p:nvPr/>
+      </p:nvGrpSpPr>
+      <p:grpSpPr>
+        <a:xfrm>
+          <a:off x="0" y="0"/>
+          <a:ext cx="0" cy="0"/>
+          <a:chOff x="0" y="0"/>
+          <a:chExt cx="0" cy="0"/>
+        </a:xfrm>
+      </p:grpSpPr>
+      <p:pic>
+        <p:nvPicPr>
+          <p:cNvPr id="4" name="Picture 3"/>
+          <p:cNvPicPr>
+            <a:picLocks noChangeAspect="1"/>
+          </p:cNvPicPr>
+          <p:nvPr/>
+        </p:nvPicPr>
+        <p:blipFill>
+          <a:blip r:embed="rId2"/>
+          <a:stretch>
+            <a:fillRect/>
+          </a:stretch>
+        </p:blipFill>
+        <p:spPr>
+          <a:xfrm>
+            <a:off x="747422" y="0"/>
+            <a:ext cx="5350777" cy="3578087"/>
+          </a:xfrm>
+          <a:prstGeom prst="rect">
+            <a:avLst/>
+          </a:prstGeom>
+        </p:spPr>
+      </p:pic>
+      <p:pic>
+        <p:nvPicPr>
+          <p:cNvPr id="5" name="Picture 4"/>
+          <p:cNvPicPr>
+            <a:picLocks noChangeAspect="1"/>
+          </p:cNvPicPr>
+          <p:nvPr/>
+        </p:nvPicPr>
+        <p:blipFill>
+          <a:blip r:embed="rId3"/>
+          <a:stretch>
+            <a:fillRect/>
+          </a:stretch>
+        </p:blipFill>
+        <p:spPr>
+          <a:xfrm>
+            <a:off x="6213586" y="0"/>
+            <a:ext cx="5978414" cy="3578087"/>
+          </a:xfrm>
+          <a:prstGeom prst="rect">
+            <a:avLst/>
+          </a:prstGeom>
+        </p:spPr>
+      </p:pic>
+    </p:spTree>
+    <p:extLst>
+      <p:ext uri="{BB962C8B-B14F-4D97-AF65-F5344CB8AC3E}">
+        <p14:creationId xmlns:p14="http://schemas.microsoft.com/office/powerpoint/2010/main" val="2486094106"/>
+      </p:ext>
+    </p:extLst>
+  </p:cSld>
+  <p:clrMapOvr>
+    <a:masterClrMapping/>
+  </p:clrMapOvr>
+</p:sld>
+</file>
+
 <file path=ppt/slides/slide2.xml><?xml version="1.0" encoding="utf-8"?>
 <p:sld xmlns:a="http://schemas.openxmlformats.org/drawingml/2006/main" xmlns:r="http://schemas.openxmlformats.org/officeDocument/2006/relationships" xmlns:p="http://schemas.openxmlformats.org/presentationml/2006/main">
   <p:cSld>

--- a/ChicagoCrimeData.pptx
+++ b/ChicagoCrimeData.pptx
@@ -13,10 +13,7 @@
     <p:sldId id="264" r:id="rId7"/>
     <p:sldId id="265" r:id="rId8"/>
     <p:sldId id="266" r:id="rId9"/>
-    <p:sldId id="267" r:id="rId10"/>
-    <p:sldId id="268" r:id="rId11"/>
-    <p:sldId id="269" r:id="rId12"/>
-    <p:sldId id="270" r:id="rId13"/>
+    <p:sldId id="270" r:id="rId10"/>
   </p:sldIdLst>
   <p:sldSz cx="12192000" cy="6858000"/>
   <p:notesSz cx="6858000" cy="9144000"/>
@@ -252,7 +249,7 @@
           <a:p>
             <a:fld id="{573AF0FD-6AD9-473B-B476-29BD3298296B}" type="datetimeFigureOut">
               <a:rPr lang="en-US" smtClean="0"/>
-              <a:t>8/17/2017</a:t>
+              <a:t>8/18/2017</a:t>
             </a:fld>
             <a:endParaRPr lang="en-US"/>
           </a:p>
@@ -420,7 +417,7 @@
           <a:p>
             <a:fld id="{573AF0FD-6AD9-473B-B476-29BD3298296B}" type="datetimeFigureOut">
               <a:rPr lang="en-US" smtClean="0"/>
-              <a:t>8/17/2017</a:t>
+              <a:t>8/18/2017</a:t>
             </a:fld>
             <a:endParaRPr lang="en-US"/>
           </a:p>
@@ -598,7 +595,7 @@
           <a:p>
             <a:fld id="{573AF0FD-6AD9-473B-B476-29BD3298296B}" type="datetimeFigureOut">
               <a:rPr lang="en-US" smtClean="0"/>
-              <a:t>8/17/2017</a:t>
+              <a:t>8/18/2017</a:t>
             </a:fld>
             <a:endParaRPr lang="en-US"/>
           </a:p>
@@ -766,7 +763,7 @@
           <a:p>
             <a:fld id="{573AF0FD-6AD9-473B-B476-29BD3298296B}" type="datetimeFigureOut">
               <a:rPr lang="en-US" smtClean="0"/>
-              <a:t>8/17/2017</a:t>
+              <a:t>8/18/2017</a:t>
             </a:fld>
             <a:endParaRPr lang="en-US"/>
           </a:p>
@@ -1011,7 +1008,7 @@
           <a:p>
             <a:fld id="{573AF0FD-6AD9-473B-B476-29BD3298296B}" type="datetimeFigureOut">
               <a:rPr lang="en-US" smtClean="0"/>
-              <a:t>8/17/2017</a:t>
+              <a:t>8/18/2017</a:t>
             </a:fld>
             <a:endParaRPr lang="en-US"/>
           </a:p>
@@ -1240,7 +1237,7 @@
           <a:p>
             <a:fld id="{573AF0FD-6AD9-473B-B476-29BD3298296B}" type="datetimeFigureOut">
               <a:rPr lang="en-US" smtClean="0"/>
-              <a:t>8/17/2017</a:t>
+              <a:t>8/18/2017</a:t>
             </a:fld>
             <a:endParaRPr lang="en-US"/>
           </a:p>
@@ -1604,7 +1601,7 @@
           <a:p>
             <a:fld id="{573AF0FD-6AD9-473B-B476-29BD3298296B}" type="datetimeFigureOut">
               <a:rPr lang="en-US" smtClean="0"/>
-              <a:t>8/17/2017</a:t>
+              <a:t>8/18/2017</a:t>
             </a:fld>
             <a:endParaRPr lang="en-US"/>
           </a:p>
@@ -1721,7 +1718,7 @@
           <a:p>
             <a:fld id="{573AF0FD-6AD9-473B-B476-29BD3298296B}" type="datetimeFigureOut">
               <a:rPr lang="en-US" smtClean="0"/>
-              <a:t>8/17/2017</a:t>
+              <a:t>8/18/2017</a:t>
             </a:fld>
             <a:endParaRPr lang="en-US"/>
           </a:p>
@@ -1816,7 +1813,7 @@
           <a:p>
             <a:fld id="{573AF0FD-6AD9-473B-B476-29BD3298296B}" type="datetimeFigureOut">
               <a:rPr lang="en-US" smtClean="0"/>
-              <a:t>8/17/2017</a:t>
+              <a:t>8/18/2017</a:t>
             </a:fld>
             <a:endParaRPr lang="en-US"/>
           </a:p>
@@ -2091,7 +2088,7 @@
           <a:p>
             <a:fld id="{573AF0FD-6AD9-473B-B476-29BD3298296B}" type="datetimeFigureOut">
               <a:rPr lang="en-US" smtClean="0"/>
-              <a:t>8/17/2017</a:t>
+              <a:t>8/18/2017</a:t>
             </a:fld>
             <a:endParaRPr lang="en-US"/>
           </a:p>
@@ -2343,7 +2340,7 @@
           <a:p>
             <a:fld id="{573AF0FD-6AD9-473B-B476-29BD3298296B}" type="datetimeFigureOut">
               <a:rPr lang="en-US" smtClean="0"/>
-              <a:t>8/17/2017</a:t>
+              <a:t>8/18/2017</a:t>
             </a:fld>
             <a:endParaRPr lang="en-US"/>
           </a:p>
@@ -2554,7 +2551,7 @@
           <a:p>
             <a:fld id="{573AF0FD-6AD9-473B-B476-29BD3298296B}" type="datetimeFigureOut">
               <a:rPr lang="en-US" smtClean="0"/>
-              <a:t>8/17/2017</a:t>
+              <a:t>8/18/2017</a:t>
             </a:fld>
             <a:endParaRPr lang="en-US"/>
           </a:p>
@@ -3020,216 +3017,6 @@
 </p:sld>
 </file>
 
-<file path=ppt/slides/slide10.xml><?xml version="1.0" encoding="utf-8"?>
-<p:sld xmlns:a="http://schemas.openxmlformats.org/drawingml/2006/main" xmlns:r="http://schemas.openxmlformats.org/officeDocument/2006/relationships" xmlns:p="http://schemas.openxmlformats.org/presentationml/2006/main">
-  <p:cSld>
-    <p:spTree>
-      <p:nvGrpSpPr>
-        <p:cNvPr id="1" name=""/>
-        <p:cNvGrpSpPr/>
-        <p:nvPr/>
-      </p:nvGrpSpPr>
-      <p:grpSpPr>
-        <a:xfrm>
-          <a:off x="0" y="0"/>
-          <a:ext cx="0" cy="0"/>
-          <a:chOff x="0" y="0"/>
-          <a:chExt cx="0" cy="0"/>
-        </a:xfrm>
-      </p:grpSpPr>
-      <p:pic>
-        <p:nvPicPr>
-          <p:cNvPr id="9" name="Picture 8"/>
-          <p:cNvPicPr>
-            <a:picLocks noChangeAspect="1"/>
-          </p:cNvPicPr>
-          <p:nvPr/>
-        </p:nvPicPr>
-        <p:blipFill>
-          <a:blip r:embed="rId2"/>
-          <a:stretch>
-            <a:fillRect/>
-          </a:stretch>
-        </p:blipFill>
-        <p:spPr>
-          <a:xfrm>
-            <a:off x="0" y="0"/>
-            <a:ext cx="5876925" cy="3486150"/>
-          </a:xfrm>
-          <a:prstGeom prst="rect">
-            <a:avLst/>
-          </a:prstGeom>
-        </p:spPr>
-      </p:pic>
-      <p:pic>
-        <p:nvPicPr>
-          <p:cNvPr id="10" name="Picture 9"/>
-          <p:cNvPicPr>
-            <a:picLocks noChangeAspect="1"/>
-          </p:cNvPicPr>
-          <p:nvPr/>
-        </p:nvPicPr>
-        <p:blipFill>
-          <a:blip r:embed="rId3"/>
-          <a:stretch>
-            <a:fillRect/>
-          </a:stretch>
-        </p:blipFill>
-        <p:spPr>
-          <a:xfrm>
-            <a:off x="5658596" y="0"/>
-            <a:ext cx="5391150" cy="6200775"/>
-          </a:xfrm>
-          <a:prstGeom prst="rect">
-            <a:avLst/>
-          </a:prstGeom>
-        </p:spPr>
-      </p:pic>
-    </p:spTree>
-    <p:extLst>
-      <p:ext uri="{BB962C8B-B14F-4D97-AF65-F5344CB8AC3E}">
-        <p14:creationId xmlns:p14="http://schemas.microsoft.com/office/powerpoint/2010/main" val="281065891"/>
-      </p:ext>
-    </p:extLst>
-  </p:cSld>
-  <p:clrMapOvr>
-    <a:masterClrMapping/>
-  </p:clrMapOvr>
-</p:sld>
-</file>
-
-<file path=ppt/slides/slide11.xml><?xml version="1.0" encoding="utf-8"?>
-<p:sld xmlns:a="http://schemas.openxmlformats.org/drawingml/2006/main" xmlns:r="http://schemas.openxmlformats.org/officeDocument/2006/relationships" xmlns:p="http://schemas.openxmlformats.org/presentationml/2006/main">
-  <p:cSld>
-    <p:spTree>
-      <p:nvGrpSpPr>
-        <p:cNvPr id="1" name=""/>
-        <p:cNvGrpSpPr/>
-        <p:nvPr/>
-      </p:nvGrpSpPr>
-      <p:grpSpPr>
-        <a:xfrm>
-          <a:off x="0" y="0"/>
-          <a:ext cx="0" cy="0"/>
-          <a:chOff x="0" y="0"/>
-          <a:chExt cx="0" cy="0"/>
-        </a:xfrm>
-      </p:grpSpPr>
-      <p:pic>
-        <p:nvPicPr>
-          <p:cNvPr id="4" name="Picture 3"/>
-          <p:cNvPicPr>
-            <a:picLocks noChangeAspect="1"/>
-          </p:cNvPicPr>
-          <p:nvPr/>
-        </p:nvPicPr>
-        <p:blipFill>
-          <a:blip r:embed="rId2"/>
-          <a:stretch>
-            <a:fillRect/>
-          </a:stretch>
-        </p:blipFill>
-        <p:spPr>
-          <a:xfrm>
-            <a:off x="3458116" y="0"/>
-            <a:ext cx="5196254" cy="6858000"/>
-          </a:xfrm>
-          <a:prstGeom prst="rect">
-            <a:avLst/>
-          </a:prstGeom>
-        </p:spPr>
-      </p:pic>
-    </p:spTree>
-    <p:extLst>
-      <p:ext uri="{BB962C8B-B14F-4D97-AF65-F5344CB8AC3E}">
-        <p14:creationId xmlns:p14="http://schemas.microsoft.com/office/powerpoint/2010/main" val="2614402487"/>
-      </p:ext>
-    </p:extLst>
-  </p:cSld>
-  <p:clrMapOvr>
-    <a:masterClrMapping/>
-  </p:clrMapOvr>
-</p:sld>
-</file>
-
-<file path=ppt/slides/slide12.xml><?xml version="1.0" encoding="utf-8"?>
-<p:sld xmlns:a="http://schemas.openxmlformats.org/drawingml/2006/main" xmlns:r="http://schemas.openxmlformats.org/officeDocument/2006/relationships" xmlns:p="http://schemas.openxmlformats.org/presentationml/2006/main">
-  <p:cSld>
-    <p:spTree>
-      <p:nvGrpSpPr>
-        <p:cNvPr id="1" name=""/>
-        <p:cNvGrpSpPr/>
-        <p:nvPr/>
-      </p:nvGrpSpPr>
-      <p:grpSpPr>
-        <a:xfrm>
-          <a:off x="0" y="0"/>
-          <a:ext cx="0" cy="0"/>
-          <a:chOff x="0" y="0"/>
-          <a:chExt cx="0" cy="0"/>
-        </a:xfrm>
-      </p:grpSpPr>
-      <p:pic>
-        <p:nvPicPr>
-          <p:cNvPr id="4" name="Picture 3"/>
-          <p:cNvPicPr>
-            <a:picLocks noChangeAspect="1"/>
-          </p:cNvPicPr>
-          <p:nvPr/>
-        </p:nvPicPr>
-        <p:blipFill>
-          <a:blip r:embed="rId2"/>
-          <a:stretch>
-            <a:fillRect/>
-          </a:stretch>
-        </p:blipFill>
-        <p:spPr>
-          <a:xfrm>
-            <a:off x="747422" y="0"/>
-            <a:ext cx="5350777" cy="3578087"/>
-          </a:xfrm>
-          <a:prstGeom prst="rect">
-            <a:avLst/>
-          </a:prstGeom>
-        </p:spPr>
-      </p:pic>
-      <p:pic>
-        <p:nvPicPr>
-          <p:cNvPr id="5" name="Picture 4"/>
-          <p:cNvPicPr>
-            <a:picLocks noChangeAspect="1"/>
-          </p:cNvPicPr>
-          <p:nvPr/>
-        </p:nvPicPr>
-        <p:blipFill>
-          <a:blip r:embed="rId3"/>
-          <a:stretch>
-            <a:fillRect/>
-          </a:stretch>
-        </p:blipFill>
-        <p:spPr>
-          <a:xfrm>
-            <a:off x="6213586" y="0"/>
-            <a:ext cx="5978414" cy="3578087"/>
-          </a:xfrm>
-          <a:prstGeom prst="rect">
-            <a:avLst/>
-          </a:prstGeom>
-        </p:spPr>
-      </p:pic>
-    </p:spTree>
-    <p:extLst>
-      <p:ext uri="{BB962C8B-B14F-4D97-AF65-F5344CB8AC3E}">
-        <p14:creationId xmlns:p14="http://schemas.microsoft.com/office/powerpoint/2010/main" val="2486094106"/>
-      </p:ext>
-    </p:extLst>
-  </p:cSld>
-  <p:clrMapOvr>
-    <a:masterClrMapping/>
-  </p:clrMapOvr>
-</p:sld>
-</file>
-
 <file path=ppt/slides/slide2.xml><?xml version="1.0" encoding="utf-8"?>
 <p:sld xmlns:a="http://schemas.openxmlformats.org/drawingml/2006/main" xmlns:r="http://schemas.openxmlformats.org/officeDocument/2006/relationships" xmlns:p="http://schemas.openxmlformats.org/presentationml/2006/main">
   <p:cSld>
@@ -3795,7 +3582,7 @@
       </p:grpSpPr>
       <p:pic>
         <p:nvPicPr>
-          <p:cNvPr id="8" name="Picture 7"/>
+          <p:cNvPr id="4" name="Picture 3"/>
           <p:cNvPicPr>
             <a:picLocks noChangeAspect="1"/>
           </p:cNvPicPr>
@@ -3809,8 +3596,8 @@
         </p:blipFill>
         <p:spPr>
           <a:xfrm>
-            <a:off x="1" y="0"/>
-            <a:ext cx="4818490" cy="6858000"/>
+            <a:off x="747422" y="0"/>
+            <a:ext cx="5350777" cy="3578087"/>
           </a:xfrm>
           <a:prstGeom prst="rect">
             <a:avLst/>
@@ -3819,7 +3606,7 @@
       </p:pic>
       <p:pic>
         <p:nvPicPr>
-          <p:cNvPr id="9" name="Picture 8"/>
+          <p:cNvPr id="5" name="Picture 4"/>
           <p:cNvPicPr>
             <a:picLocks noChangeAspect="1"/>
           </p:cNvPicPr>
@@ -3833,8 +3620,8 @@
         </p:blipFill>
         <p:spPr>
           <a:xfrm>
-            <a:off x="4984442" y="-5963"/>
-            <a:ext cx="7207558" cy="3434963"/>
+            <a:off x="6213586" y="0"/>
+            <a:ext cx="5978414" cy="3578087"/>
           </a:xfrm>
           <a:prstGeom prst="rect">
             <a:avLst/>
@@ -3844,7 +3631,7 @@
     </p:spTree>
     <p:extLst>
       <p:ext uri="{BB962C8B-B14F-4D97-AF65-F5344CB8AC3E}">
-        <p14:creationId xmlns:p14="http://schemas.microsoft.com/office/powerpoint/2010/main" val="1569019146"/>
+        <p14:creationId xmlns:p14="http://schemas.microsoft.com/office/powerpoint/2010/main" val="2486094106"/>
       </p:ext>
     </p:extLst>
   </p:cSld>
